--- a/docs/diagrams/LogicComponentClassDiagram.pptx
+++ b/docs/diagrams/LogicComponentClassDiagram.pptx
@@ -4,13 +4,10 @@
   <p:sldMasterIdLst>
     <p:sldMasterId id="2147483648" r:id="rId1"/>
   </p:sldMasterIdLst>
-  <p:notesMasterIdLst>
-    <p:notesMasterId r:id="rId3"/>
-  </p:notesMasterIdLst>
   <p:sldIdLst>
-    <p:sldId id="262" r:id="rId2"/>
+    <p:sldId id="259" r:id="rId2"/>
   </p:sldIdLst>
-  <p:sldSz cx="9144000" cy="6858000" type="screen4x3"/>
+  <p:sldSz cx="12192000" cy="6858000"/>
   <p:notesSz cx="6858000" cy="9144000"/>
   <p:defaultTextStyle>
     <a:defPPr>
@@ -110,12 +107,12 @@
   <p:extLst>
     <p:ext uri="{EFAFB233-063F-42B5-8137-9DF3F51BA10A}">
       <p15:sldGuideLst xmlns:p15="http://schemas.microsoft.com/office/powerpoint/2012/main">
-        <p15:guide id="1" orient="horz" pos="1488">
+        <p15:guide id="1" orient="horz" pos="2160" userDrawn="1">
           <p15:clr>
             <a:srgbClr val="A4A3A4"/>
           </p15:clr>
         </p15:guide>
-        <p15:guide id="2" pos="2880">
+        <p15:guide id="2" pos="3840" userDrawn="1">
           <p15:clr>
             <a:srgbClr val="A4A3A4"/>
           </p15:clr>
@@ -124,359 +121,6 @@
     </p:ext>
   </p:extLst>
 </p:presentation>
-</file>
-
-<file path=ppt/revisionInfo.xml><?xml version="1.0" encoding="utf-8"?>
-<p1510:revInfo xmlns:a="http://schemas.openxmlformats.org/drawingml/2006/main" xmlns:r="http://schemas.openxmlformats.org/officeDocument/2006/relationships" xmlns:p1510="http://schemas.microsoft.com/office/powerpoint/2015/10/main"/>
-</file>
-
-<file path=ppt/notesMasters/notesMaster1.xml><?xml version="1.0" encoding="utf-8"?>
-<p:notesMaster xmlns:a="http://schemas.openxmlformats.org/drawingml/2006/main" xmlns:r="http://schemas.openxmlformats.org/officeDocument/2006/relationships" xmlns:p="http://schemas.openxmlformats.org/presentationml/2006/main">
-  <p:cSld>
-    <p:bg>
-      <p:bgRef idx="1001">
-        <a:schemeClr val="bg1"/>
-      </p:bgRef>
-    </p:bg>
-    <p:spTree>
-      <p:nvGrpSpPr>
-        <p:cNvPr id="1" name=""/>
-        <p:cNvGrpSpPr/>
-        <p:nvPr/>
-      </p:nvGrpSpPr>
-      <p:grpSpPr>
-        <a:xfrm>
-          <a:off x="0" y="0"/>
-          <a:ext cx="0" cy="0"/>
-          <a:chOff x="0" y="0"/>
-          <a:chExt cx="0" cy="0"/>
-        </a:xfrm>
-      </p:grpSpPr>
-      <p:sp>
-        <p:nvSpPr>
-          <p:cNvPr id="2" name="Header Placeholder 1"/>
-          <p:cNvSpPr>
-            <a:spLocks noGrp="1"/>
-          </p:cNvSpPr>
-          <p:nvPr>
-            <p:ph type="hdr" sz="quarter"/>
-          </p:nvPr>
-        </p:nvSpPr>
-        <p:spPr>
-          <a:xfrm>
-            <a:off x="0" y="0"/>
-            <a:ext cx="2971800" cy="457200"/>
-          </a:xfrm>
-          <a:prstGeom prst="rect">
-            <a:avLst/>
-          </a:prstGeom>
-        </p:spPr>
-        <p:txBody>
-          <a:bodyPr vert="horz" lIns="91440" tIns="45720" rIns="91440" bIns="45720" rtlCol="0"/>
-          <a:lstStyle>
-            <a:lvl1pPr algn="l">
-              <a:defRPr sz="1200"/>
-            </a:lvl1pPr>
-          </a:lstStyle>
-          <a:p>
-            <a:endParaRPr lang="en-US"/>
-          </a:p>
-        </p:txBody>
-      </p:sp>
-      <p:sp>
-        <p:nvSpPr>
-          <p:cNvPr id="3" name="Date Placeholder 2"/>
-          <p:cNvSpPr>
-            <a:spLocks noGrp="1"/>
-          </p:cNvSpPr>
-          <p:nvPr>
-            <p:ph type="dt" idx="1"/>
-          </p:nvPr>
-        </p:nvSpPr>
-        <p:spPr>
-          <a:xfrm>
-            <a:off x="3884613" y="0"/>
-            <a:ext cx="2971800" cy="457200"/>
-          </a:xfrm>
-          <a:prstGeom prst="rect">
-            <a:avLst/>
-          </a:prstGeom>
-        </p:spPr>
-        <p:txBody>
-          <a:bodyPr vert="horz" lIns="91440" tIns="45720" rIns="91440" bIns="45720" rtlCol="0"/>
-          <a:lstStyle>
-            <a:lvl1pPr algn="r">
-              <a:defRPr sz="1200"/>
-            </a:lvl1pPr>
-          </a:lstStyle>
-          <a:p>
-            <a:fld id="{F5CC4B3F-88C1-4FFA-B1B6-F41C21DC6924}" type="datetimeFigureOut">
-              <a:rPr lang="en-US" smtClean="0"/>
-              <a:t>7/20/17</a:t>
-            </a:fld>
-            <a:endParaRPr lang="en-US"/>
-          </a:p>
-        </p:txBody>
-      </p:sp>
-      <p:sp>
-        <p:nvSpPr>
-          <p:cNvPr id="4" name="Slide Image Placeholder 3"/>
-          <p:cNvSpPr>
-            <a:spLocks noGrp="1" noRot="1" noChangeAspect="1"/>
-          </p:cNvSpPr>
-          <p:nvPr>
-            <p:ph type="sldImg" idx="2"/>
-          </p:nvPr>
-        </p:nvSpPr>
-        <p:spPr>
-          <a:xfrm>
-            <a:off x="1143000" y="685800"/>
-            <a:ext cx="4572000" cy="3429000"/>
-          </a:xfrm>
-          <a:prstGeom prst="rect">
-            <a:avLst/>
-          </a:prstGeom>
-          <a:noFill/>
-          <a:ln w="12700">
-            <a:solidFill>
-              <a:prstClr val="black"/>
-            </a:solidFill>
-          </a:ln>
-        </p:spPr>
-        <p:txBody>
-          <a:bodyPr vert="horz" lIns="91440" tIns="45720" rIns="91440" bIns="45720" rtlCol="0" anchor="ctr"/>
-          <a:lstStyle/>
-          <a:p>
-            <a:endParaRPr lang="en-US"/>
-          </a:p>
-        </p:txBody>
-      </p:sp>
-      <p:sp>
-        <p:nvSpPr>
-          <p:cNvPr id="5" name="Notes Placeholder 4"/>
-          <p:cNvSpPr>
-            <a:spLocks noGrp="1"/>
-          </p:cNvSpPr>
-          <p:nvPr>
-            <p:ph type="body" sz="quarter" idx="3"/>
-          </p:nvPr>
-        </p:nvSpPr>
-        <p:spPr>
-          <a:xfrm>
-            <a:off x="685800" y="4343400"/>
-            <a:ext cx="5486400" cy="4114800"/>
-          </a:xfrm>
-          <a:prstGeom prst="rect">
-            <a:avLst/>
-          </a:prstGeom>
-        </p:spPr>
-        <p:txBody>
-          <a:bodyPr vert="horz" lIns="91440" tIns="45720" rIns="91440" bIns="45720" rtlCol="0"/>
-          <a:lstStyle/>
-          <a:p>
-            <a:pPr lvl="0"/>
-            <a:r>
-              <a:rPr lang="en-US"/>
-              <a:t>Click to edit Master text styles</a:t>
-            </a:r>
-          </a:p>
-          <a:p>
-            <a:pPr lvl="1"/>
-            <a:r>
-              <a:rPr lang="en-US"/>
-              <a:t>Second level</a:t>
-            </a:r>
-          </a:p>
-          <a:p>
-            <a:pPr lvl="2"/>
-            <a:r>
-              <a:rPr lang="en-US"/>
-              <a:t>Third level</a:t>
-            </a:r>
-          </a:p>
-          <a:p>
-            <a:pPr lvl="3"/>
-            <a:r>
-              <a:rPr lang="en-US"/>
-              <a:t>Fourth level</a:t>
-            </a:r>
-          </a:p>
-          <a:p>
-            <a:pPr lvl="4"/>
-            <a:r>
-              <a:rPr lang="en-US"/>
-              <a:t>Fifth level</a:t>
-            </a:r>
-          </a:p>
-        </p:txBody>
-      </p:sp>
-      <p:sp>
-        <p:nvSpPr>
-          <p:cNvPr id="6" name="Footer Placeholder 5"/>
-          <p:cNvSpPr>
-            <a:spLocks noGrp="1"/>
-          </p:cNvSpPr>
-          <p:nvPr>
-            <p:ph type="ftr" sz="quarter" idx="4"/>
-          </p:nvPr>
-        </p:nvSpPr>
-        <p:spPr>
-          <a:xfrm>
-            <a:off x="0" y="8685213"/>
-            <a:ext cx="2971800" cy="457200"/>
-          </a:xfrm>
-          <a:prstGeom prst="rect">
-            <a:avLst/>
-          </a:prstGeom>
-        </p:spPr>
-        <p:txBody>
-          <a:bodyPr vert="horz" lIns="91440" tIns="45720" rIns="91440" bIns="45720" rtlCol="0" anchor="b"/>
-          <a:lstStyle>
-            <a:lvl1pPr algn="l">
-              <a:defRPr sz="1200"/>
-            </a:lvl1pPr>
-          </a:lstStyle>
-          <a:p>
-            <a:endParaRPr lang="en-US"/>
-          </a:p>
-        </p:txBody>
-      </p:sp>
-      <p:sp>
-        <p:nvSpPr>
-          <p:cNvPr id="7" name="Slide Number Placeholder 6"/>
-          <p:cNvSpPr>
-            <a:spLocks noGrp="1"/>
-          </p:cNvSpPr>
-          <p:nvPr>
-            <p:ph type="sldNum" sz="quarter" idx="5"/>
-          </p:nvPr>
-        </p:nvSpPr>
-        <p:spPr>
-          <a:xfrm>
-            <a:off x="3884613" y="8685213"/>
-            <a:ext cx="2971800" cy="457200"/>
-          </a:xfrm>
-          <a:prstGeom prst="rect">
-            <a:avLst/>
-          </a:prstGeom>
-        </p:spPr>
-        <p:txBody>
-          <a:bodyPr vert="horz" lIns="91440" tIns="45720" rIns="91440" bIns="45720" rtlCol="0" anchor="b"/>
-          <a:lstStyle>
-            <a:lvl1pPr algn="r">
-              <a:defRPr sz="1200"/>
-            </a:lvl1pPr>
-          </a:lstStyle>
-          <a:p>
-            <a:fld id="{5A7AB025-77E3-4BD1-A2FD-B3183DBA47A3}" type="slidenum">
-              <a:rPr lang="en-US" smtClean="0"/>
-              <a:t>‹#›</a:t>
-            </a:fld>
-            <a:endParaRPr lang="en-US"/>
-          </a:p>
-        </p:txBody>
-      </p:sp>
-    </p:spTree>
-    <p:extLst>
-      <p:ext uri="{BB962C8B-B14F-4D97-AF65-F5344CB8AC3E}">
-        <p14:creationId xmlns:p14="http://schemas.microsoft.com/office/powerpoint/2010/main" val="2023976206"/>
-      </p:ext>
-    </p:extLst>
-  </p:cSld>
-  <p:clrMap bg1="lt1" tx1="dk1" bg2="lt2" tx2="dk2" accent1="accent1" accent2="accent2" accent3="accent3" accent4="accent4" accent5="accent5" accent6="accent6" hlink="hlink" folHlink="folHlink"/>
-  <p:notesStyle>
-    <a:lvl1pPr marL="0" algn="l" defTabSz="914400" rtl="0" eaLnBrk="1" latinLnBrk="0" hangingPunct="1">
-      <a:defRPr sz="1200" kern="1200">
-        <a:solidFill>
-          <a:schemeClr val="tx1"/>
-        </a:solidFill>
-        <a:latin typeface="+mn-lt"/>
-        <a:ea typeface="+mn-ea"/>
-        <a:cs typeface="+mn-cs"/>
-      </a:defRPr>
-    </a:lvl1pPr>
-    <a:lvl2pPr marL="457200" algn="l" defTabSz="914400" rtl="0" eaLnBrk="1" latinLnBrk="0" hangingPunct="1">
-      <a:defRPr sz="1200" kern="1200">
-        <a:solidFill>
-          <a:schemeClr val="tx1"/>
-        </a:solidFill>
-        <a:latin typeface="+mn-lt"/>
-        <a:ea typeface="+mn-ea"/>
-        <a:cs typeface="+mn-cs"/>
-      </a:defRPr>
-    </a:lvl2pPr>
-    <a:lvl3pPr marL="914400" algn="l" defTabSz="914400" rtl="0" eaLnBrk="1" latinLnBrk="0" hangingPunct="1">
-      <a:defRPr sz="1200" kern="1200">
-        <a:solidFill>
-          <a:schemeClr val="tx1"/>
-        </a:solidFill>
-        <a:latin typeface="+mn-lt"/>
-        <a:ea typeface="+mn-ea"/>
-        <a:cs typeface="+mn-cs"/>
-      </a:defRPr>
-    </a:lvl3pPr>
-    <a:lvl4pPr marL="1371600" algn="l" defTabSz="914400" rtl="0" eaLnBrk="1" latinLnBrk="0" hangingPunct="1">
-      <a:defRPr sz="1200" kern="1200">
-        <a:solidFill>
-          <a:schemeClr val="tx1"/>
-        </a:solidFill>
-        <a:latin typeface="+mn-lt"/>
-        <a:ea typeface="+mn-ea"/>
-        <a:cs typeface="+mn-cs"/>
-      </a:defRPr>
-    </a:lvl4pPr>
-    <a:lvl5pPr marL="1828800" algn="l" defTabSz="914400" rtl="0" eaLnBrk="1" latinLnBrk="0" hangingPunct="1">
-      <a:defRPr sz="1200" kern="1200">
-        <a:solidFill>
-          <a:schemeClr val="tx1"/>
-        </a:solidFill>
-        <a:latin typeface="+mn-lt"/>
-        <a:ea typeface="+mn-ea"/>
-        <a:cs typeface="+mn-cs"/>
-      </a:defRPr>
-    </a:lvl5pPr>
-    <a:lvl6pPr marL="2286000" algn="l" defTabSz="914400" rtl="0" eaLnBrk="1" latinLnBrk="0" hangingPunct="1">
-      <a:defRPr sz="1200" kern="1200">
-        <a:solidFill>
-          <a:schemeClr val="tx1"/>
-        </a:solidFill>
-        <a:latin typeface="+mn-lt"/>
-        <a:ea typeface="+mn-ea"/>
-        <a:cs typeface="+mn-cs"/>
-      </a:defRPr>
-    </a:lvl6pPr>
-    <a:lvl7pPr marL="2743200" algn="l" defTabSz="914400" rtl="0" eaLnBrk="1" latinLnBrk="0" hangingPunct="1">
-      <a:defRPr sz="1200" kern="1200">
-        <a:solidFill>
-          <a:schemeClr val="tx1"/>
-        </a:solidFill>
-        <a:latin typeface="+mn-lt"/>
-        <a:ea typeface="+mn-ea"/>
-        <a:cs typeface="+mn-cs"/>
-      </a:defRPr>
-    </a:lvl7pPr>
-    <a:lvl8pPr marL="3200400" algn="l" defTabSz="914400" rtl="0" eaLnBrk="1" latinLnBrk="0" hangingPunct="1">
-      <a:defRPr sz="1200" kern="1200">
-        <a:solidFill>
-          <a:schemeClr val="tx1"/>
-        </a:solidFill>
-        <a:latin typeface="+mn-lt"/>
-        <a:ea typeface="+mn-ea"/>
-        <a:cs typeface="+mn-cs"/>
-      </a:defRPr>
-    </a:lvl8pPr>
-    <a:lvl9pPr marL="3657600" algn="l" defTabSz="914400" rtl="0" eaLnBrk="1" latinLnBrk="0" hangingPunct="1">
-      <a:defRPr sz="1200" kern="1200">
-        <a:solidFill>
-          <a:schemeClr val="tx1"/>
-        </a:solidFill>
-        <a:latin typeface="+mn-lt"/>
-        <a:ea typeface="+mn-ea"/>
-        <a:cs typeface="+mn-cs"/>
-      </a:defRPr>
-    </a:lvl9pPr>
-  </p:notesStyle>
-</p:notesMaster>
 </file>
 
 <file path=ppt/slideLayouts/slideLayout1.xml><?xml version="1.0" encoding="utf-8"?>
@@ -498,7 +142,13 @@
       </p:grpSpPr>
       <p:sp>
         <p:nvSpPr>
-          <p:cNvPr id="2" name="Title 1"/>
+          <p:cNvPr id="2" name="Title 1">
+            <a:extLst>
+              <a:ext uri="{FF2B5EF4-FFF2-40B4-BE49-F238E27FC236}">
+                <a16:creationId xmlns:a16="http://schemas.microsoft.com/office/drawing/2014/main" id="{A5186368-E40C-4FC1-990E-4F035E7F5F6F}"/>
+              </a:ext>
+            </a:extLst>
+          </p:cNvPr>
           <p:cNvSpPr>
             <a:spLocks noGrp="1"/>
           </p:cNvSpPr>
@@ -508,24 +158,35 @@
         </p:nvSpPr>
         <p:spPr>
           <a:xfrm>
-            <a:off x="685800" y="2130425"/>
-            <a:ext cx="7772400" cy="1470025"/>
-          </a:xfrm>
-        </p:spPr>
-        <p:txBody>
-          <a:bodyPr/>
-          <a:lstStyle/>
+            <a:off x="1524000" y="1122363"/>
+            <a:ext cx="9144000" cy="2387600"/>
+          </a:xfrm>
+        </p:spPr>
+        <p:txBody>
+          <a:bodyPr anchor="b"/>
+          <a:lstStyle>
+            <a:lvl1pPr algn="ctr">
+              <a:defRPr sz="6000"/>
+            </a:lvl1pPr>
+          </a:lstStyle>
           <a:p>
             <a:r>
               <a:rPr lang="en-US"/>
               <a:t>Click to edit Master title style</a:t>
             </a:r>
-          </a:p>
-        </p:txBody>
-      </p:sp>
-      <p:sp>
-        <p:nvSpPr>
-          <p:cNvPr id="3" name="Subtitle 2"/>
+            <a:endParaRPr lang="en-SG"/>
+          </a:p>
+        </p:txBody>
+      </p:sp>
+      <p:sp>
+        <p:nvSpPr>
+          <p:cNvPr id="3" name="Subtitle 2">
+            <a:extLst>
+              <a:ext uri="{FF2B5EF4-FFF2-40B4-BE49-F238E27FC236}">
+                <a16:creationId xmlns:a16="http://schemas.microsoft.com/office/drawing/2014/main" id="{08C15FD7-5FD8-4F44-B7D3-76DA584034FE}"/>
+              </a:ext>
+            </a:extLst>
+          </p:cNvPr>
           <p:cNvSpPr>
             <a:spLocks noGrp="1"/>
           </p:cNvSpPr>
@@ -535,8 +196,8 @@
         </p:nvSpPr>
         <p:spPr>
           <a:xfrm>
-            <a:off x="1371600" y="3886200"/>
-            <a:ext cx="6400800" cy="1752600"/>
+            <a:off x="1524000" y="3602038"/>
+            <a:ext cx="9144000" cy="1655762"/>
           </a:xfrm>
         </p:spPr>
         <p:txBody>
@@ -544,93 +205,39 @@
           <a:lstStyle>
             <a:lvl1pPr marL="0" indent="0" algn="ctr">
               <a:buNone/>
-              <a:defRPr>
-                <a:solidFill>
-                  <a:schemeClr val="tx1">
-                    <a:tint val="75000"/>
-                  </a:schemeClr>
-                </a:solidFill>
-              </a:defRPr>
+              <a:defRPr sz="2400"/>
             </a:lvl1pPr>
             <a:lvl2pPr marL="457200" indent="0" algn="ctr">
               <a:buNone/>
-              <a:defRPr>
-                <a:solidFill>
-                  <a:schemeClr val="tx1">
-                    <a:tint val="75000"/>
-                  </a:schemeClr>
-                </a:solidFill>
-              </a:defRPr>
+              <a:defRPr sz="2000"/>
             </a:lvl2pPr>
             <a:lvl3pPr marL="914400" indent="0" algn="ctr">
               <a:buNone/>
-              <a:defRPr>
-                <a:solidFill>
-                  <a:schemeClr val="tx1">
-                    <a:tint val="75000"/>
-                  </a:schemeClr>
-                </a:solidFill>
-              </a:defRPr>
+              <a:defRPr sz="1800"/>
             </a:lvl3pPr>
             <a:lvl4pPr marL="1371600" indent="0" algn="ctr">
               <a:buNone/>
-              <a:defRPr>
-                <a:solidFill>
-                  <a:schemeClr val="tx1">
-                    <a:tint val="75000"/>
-                  </a:schemeClr>
-                </a:solidFill>
-              </a:defRPr>
+              <a:defRPr sz="1600"/>
             </a:lvl4pPr>
             <a:lvl5pPr marL="1828800" indent="0" algn="ctr">
               <a:buNone/>
-              <a:defRPr>
-                <a:solidFill>
-                  <a:schemeClr val="tx1">
-                    <a:tint val="75000"/>
-                  </a:schemeClr>
-                </a:solidFill>
-              </a:defRPr>
+              <a:defRPr sz="1600"/>
             </a:lvl5pPr>
             <a:lvl6pPr marL="2286000" indent="0" algn="ctr">
               <a:buNone/>
-              <a:defRPr>
-                <a:solidFill>
-                  <a:schemeClr val="tx1">
-                    <a:tint val="75000"/>
-                  </a:schemeClr>
-                </a:solidFill>
-              </a:defRPr>
+              <a:defRPr sz="1600"/>
             </a:lvl6pPr>
             <a:lvl7pPr marL="2743200" indent="0" algn="ctr">
               <a:buNone/>
-              <a:defRPr>
-                <a:solidFill>
-                  <a:schemeClr val="tx1">
-                    <a:tint val="75000"/>
-                  </a:schemeClr>
-                </a:solidFill>
-              </a:defRPr>
+              <a:defRPr sz="1600"/>
             </a:lvl7pPr>
             <a:lvl8pPr marL="3200400" indent="0" algn="ctr">
               <a:buNone/>
-              <a:defRPr>
-                <a:solidFill>
-                  <a:schemeClr val="tx1">
-                    <a:tint val="75000"/>
-                  </a:schemeClr>
-                </a:solidFill>
-              </a:defRPr>
+              <a:defRPr sz="1600"/>
             </a:lvl8pPr>
             <a:lvl9pPr marL="3657600" indent="0" algn="ctr">
               <a:buNone/>
-              <a:defRPr>
-                <a:solidFill>
-                  <a:schemeClr val="tx1">
-                    <a:tint val="75000"/>
-                  </a:schemeClr>
-                </a:solidFill>
-              </a:defRPr>
+              <a:defRPr sz="1600"/>
             </a:lvl9pPr>
           </a:lstStyle>
           <a:p>
@@ -638,12 +245,19 @@
               <a:rPr lang="en-US"/>
               <a:t>Click to edit Master subtitle style</a:t>
             </a:r>
-          </a:p>
-        </p:txBody>
-      </p:sp>
-      <p:sp>
-        <p:nvSpPr>
-          <p:cNvPr id="4" name="Date Placeholder 3"/>
+            <a:endParaRPr lang="en-SG"/>
+          </a:p>
+        </p:txBody>
+      </p:sp>
+      <p:sp>
+        <p:nvSpPr>
+          <p:cNvPr id="4" name="Date Placeholder 3">
+            <a:extLst>
+              <a:ext uri="{FF2B5EF4-FFF2-40B4-BE49-F238E27FC236}">
+                <a16:creationId xmlns:a16="http://schemas.microsoft.com/office/drawing/2014/main" id="{23EFF7FE-D8F6-46E7-835F-295B679BDC28}"/>
+              </a:ext>
+            </a:extLst>
+          </p:cNvPr>
           <p:cNvSpPr>
             <a:spLocks noGrp="1"/>
           </p:cNvSpPr>
@@ -656,17 +270,23 @@
           <a:bodyPr/>
           <a:lstStyle/>
           <a:p>
-            <a:fld id="{78C97017-6FC3-485B-9764-EAC9E56C1D49}" type="datetimeFigureOut">
-              <a:rPr lang="en-US" smtClean="0"/>
-              <a:t>7/20/17</a:t>
+            <a:fld id="{62BF26E8-16C2-416C-B1D6-5F9649E75422}" type="datetimeFigureOut">
+              <a:rPr lang="en-SG" smtClean="0"/>
+              <a:t>14/4/2018</a:t>
             </a:fld>
-            <a:endParaRPr lang="en-US"/>
-          </a:p>
-        </p:txBody>
-      </p:sp>
-      <p:sp>
-        <p:nvSpPr>
-          <p:cNvPr id="5" name="Footer Placeholder 4"/>
+            <a:endParaRPr lang="en-SG"/>
+          </a:p>
+        </p:txBody>
+      </p:sp>
+      <p:sp>
+        <p:nvSpPr>
+          <p:cNvPr id="5" name="Footer Placeholder 4">
+            <a:extLst>
+              <a:ext uri="{FF2B5EF4-FFF2-40B4-BE49-F238E27FC236}">
+                <a16:creationId xmlns:a16="http://schemas.microsoft.com/office/drawing/2014/main" id="{AB9FB583-4DBE-4349-922F-248E63EEFA45}"/>
+              </a:ext>
+            </a:extLst>
+          </p:cNvPr>
           <p:cNvSpPr>
             <a:spLocks noGrp="1"/>
           </p:cNvSpPr>
@@ -679,13 +299,19 @@
           <a:bodyPr/>
           <a:lstStyle/>
           <a:p>
-            <a:endParaRPr lang="en-US"/>
-          </a:p>
-        </p:txBody>
-      </p:sp>
-      <p:sp>
-        <p:nvSpPr>
-          <p:cNvPr id="6" name="Slide Number Placeholder 5"/>
+            <a:endParaRPr lang="en-SG"/>
+          </a:p>
+        </p:txBody>
+      </p:sp>
+      <p:sp>
+        <p:nvSpPr>
+          <p:cNvPr id="6" name="Slide Number Placeholder 5">
+            <a:extLst>
+              <a:ext uri="{FF2B5EF4-FFF2-40B4-BE49-F238E27FC236}">
+                <a16:creationId xmlns:a16="http://schemas.microsoft.com/office/drawing/2014/main" id="{9DD1731B-8341-4809-8C46-CFB5F31FDFF0}"/>
+              </a:ext>
+            </a:extLst>
+          </p:cNvPr>
           <p:cNvSpPr>
             <a:spLocks noGrp="1"/>
           </p:cNvSpPr>
@@ -698,18 +324,18 @@
           <a:bodyPr/>
           <a:lstStyle/>
           <a:p>
-            <a:fld id="{FB34683C-161B-4520-BF45-B179E228CF2A}" type="slidenum">
-              <a:rPr lang="en-US" smtClean="0"/>
+            <a:fld id="{B73D482A-22D0-40AA-8A00-C68C27114349}" type="slidenum">
+              <a:rPr lang="en-SG" smtClean="0"/>
               <a:t>‹#›</a:t>
             </a:fld>
-            <a:endParaRPr lang="en-US"/>
+            <a:endParaRPr lang="en-SG"/>
           </a:p>
         </p:txBody>
       </p:sp>
     </p:spTree>
     <p:extLst>
       <p:ext uri="{BB962C8B-B14F-4D97-AF65-F5344CB8AC3E}">
-        <p14:creationId xmlns:p14="http://schemas.microsoft.com/office/powerpoint/2010/main" val="3246593157"/>
+        <p14:creationId xmlns:p14="http://schemas.microsoft.com/office/powerpoint/2010/main" val="576421301"/>
       </p:ext>
     </p:extLst>
   </p:cSld>
@@ -738,7 +364,13 @@
       </p:grpSpPr>
       <p:sp>
         <p:nvSpPr>
-          <p:cNvPr id="2" name="Title 1"/>
+          <p:cNvPr id="2" name="Title 1">
+            <a:extLst>
+              <a:ext uri="{FF2B5EF4-FFF2-40B4-BE49-F238E27FC236}">
+                <a16:creationId xmlns:a16="http://schemas.microsoft.com/office/drawing/2014/main" id="{35A962CC-1ED5-4748-8181-6189C6DE0816}"/>
+              </a:ext>
+            </a:extLst>
+          </p:cNvPr>
           <p:cNvSpPr>
             <a:spLocks noGrp="1"/>
           </p:cNvSpPr>
@@ -755,12 +387,19 @@
               <a:rPr lang="en-US"/>
               <a:t>Click to edit Master title style</a:t>
             </a:r>
-          </a:p>
-        </p:txBody>
-      </p:sp>
-      <p:sp>
-        <p:nvSpPr>
-          <p:cNvPr id="3" name="Vertical Text Placeholder 2"/>
+            <a:endParaRPr lang="en-SG"/>
+          </a:p>
+        </p:txBody>
+      </p:sp>
+      <p:sp>
+        <p:nvSpPr>
+          <p:cNvPr id="3" name="Vertical Text Placeholder 2">
+            <a:extLst>
+              <a:ext uri="{FF2B5EF4-FFF2-40B4-BE49-F238E27FC236}">
+                <a16:creationId xmlns:a16="http://schemas.microsoft.com/office/drawing/2014/main" id="{7B3A3D5F-E918-41FA-8D29-131A198C1E79}"/>
+              </a:ext>
+            </a:extLst>
+          </p:cNvPr>
           <p:cNvSpPr>
             <a:spLocks noGrp="1"/>
           </p:cNvSpPr>
@@ -776,7 +415,7 @@
             <a:pPr lvl="0"/>
             <a:r>
               <a:rPr lang="en-US"/>
-              <a:t>Click to edit Master text styles</a:t>
+              <a:t>Edit Master text styles</a:t>
             </a:r>
           </a:p>
           <a:p>
@@ -806,12 +445,19 @@
               <a:rPr lang="en-US"/>
               <a:t>Fifth level</a:t>
             </a:r>
-          </a:p>
-        </p:txBody>
-      </p:sp>
-      <p:sp>
-        <p:nvSpPr>
-          <p:cNvPr id="4" name="Date Placeholder 3"/>
+            <a:endParaRPr lang="en-SG"/>
+          </a:p>
+        </p:txBody>
+      </p:sp>
+      <p:sp>
+        <p:nvSpPr>
+          <p:cNvPr id="4" name="Date Placeholder 3">
+            <a:extLst>
+              <a:ext uri="{FF2B5EF4-FFF2-40B4-BE49-F238E27FC236}">
+                <a16:creationId xmlns:a16="http://schemas.microsoft.com/office/drawing/2014/main" id="{5FAA2799-F0E5-42F5-BD1C-0CEFAAB50851}"/>
+              </a:ext>
+            </a:extLst>
+          </p:cNvPr>
           <p:cNvSpPr>
             <a:spLocks noGrp="1"/>
           </p:cNvSpPr>
@@ -824,17 +470,23 @@
           <a:bodyPr/>
           <a:lstStyle/>
           <a:p>
-            <a:fld id="{78C97017-6FC3-485B-9764-EAC9E56C1D49}" type="datetimeFigureOut">
-              <a:rPr lang="en-US" smtClean="0"/>
-              <a:t>7/20/17</a:t>
+            <a:fld id="{62BF26E8-16C2-416C-B1D6-5F9649E75422}" type="datetimeFigureOut">
+              <a:rPr lang="en-SG" smtClean="0"/>
+              <a:t>14/4/2018</a:t>
             </a:fld>
-            <a:endParaRPr lang="en-US"/>
-          </a:p>
-        </p:txBody>
-      </p:sp>
-      <p:sp>
-        <p:nvSpPr>
-          <p:cNvPr id="5" name="Footer Placeholder 4"/>
+            <a:endParaRPr lang="en-SG"/>
+          </a:p>
+        </p:txBody>
+      </p:sp>
+      <p:sp>
+        <p:nvSpPr>
+          <p:cNvPr id="5" name="Footer Placeholder 4">
+            <a:extLst>
+              <a:ext uri="{FF2B5EF4-FFF2-40B4-BE49-F238E27FC236}">
+                <a16:creationId xmlns:a16="http://schemas.microsoft.com/office/drawing/2014/main" id="{5521751B-A695-4E83-9F85-2A2C2FB3298F}"/>
+              </a:ext>
+            </a:extLst>
+          </p:cNvPr>
           <p:cNvSpPr>
             <a:spLocks noGrp="1"/>
           </p:cNvSpPr>
@@ -847,13 +499,19 @@
           <a:bodyPr/>
           <a:lstStyle/>
           <a:p>
-            <a:endParaRPr lang="en-US"/>
-          </a:p>
-        </p:txBody>
-      </p:sp>
-      <p:sp>
-        <p:nvSpPr>
-          <p:cNvPr id="6" name="Slide Number Placeholder 5"/>
+            <a:endParaRPr lang="en-SG"/>
+          </a:p>
+        </p:txBody>
+      </p:sp>
+      <p:sp>
+        <p:nvSpPr>
+          <p:cNvPr id="6" name="Slide Number Placeholder 5">
+            <a:extLst>
+              <a:ext uri="{FF2B5EF4-FFF2-40B4-BE49-F238E27FC236}">
+                <a16:creationId xmlns:a16="http://schemas.microsoft.com/office/drawing/2014/main" id="{77ED4B6F-9409-4A57-8D45-611067D26AA6}"/>
+              </a:ext>
+            </a:extLst>
+          </p:cNvPr>
           <p:cNvSpPr>
             <a:spLocks noGrp="1"/>
           </p:cNvSpPr>
@@ -866,18 +524,18 @@
           <a:bodyPr/>
           <a:lstStyle/>
           <a:p>
-            <a:fld id="{FB34683C-161B-4520-BF45-B179E228CF2A}" type="slidenum">
-              <a:rPr lang="en-US" smtClean="0"/>
+            <a:fld id="{B73D482A-22D0-40AA-8A00-C68C27114349}" type="slidenum">
+              <a:rPr lang="en-SG" smtClean="0"/>
               <a:t>‹#›</a:t>
             </a:fld>
-            <a:endParaRPr lang="en-US"/>
+            <a:endParaRPr lang="en-SG"/>
           </a:p>
         </p:txBody>
       </p:sp>
     </p:spTree>
     <p:extLst>
       <p:ext uri="{BB962C8B-B14F-4D97-AF65-F5344CB8AC3E}">
-        <p14:creationId xmlns:p14="http://schemas.microsoft.com/office/powerpoint/2010/main" val="2707025021"/>
+        <p14:creationId xmlns:p14="http://schemas.microsoft.com/office/powerpoint/2010/main" val="783657421"/>
       </p:ext>
     </p:extLst>
   </p:cSld>
@@ -906,7 +564,13 @@
       </p:grpSpPr>
       <p:sp>
         <p:nvSpPr>
-          <p:cNvPr id="2" name="Vertical Title 1"/>
+          <p:cNvPr id="2" name="Vertical Title 1">
+            <a:extLst>
+              <a:ext uri="{FF2B5EF4-FFF2-40B4-BE49-F238E27FC236}">
+                <a16:creationId xmlns:a16="http://schemas.microsoft.com/office/drawing/2014/main" id="{A8EC9828-397D-422E-88E0-38DDACE79E7B}"/>
+              </a:ext>
+            </a:extLst>
+          </p:cNvPr>
           <p:cNvSpPr>
             <a:spLocks noGrp="1"/>
           </p:cNvSpPr>
@@ -916,8 +580,8 @@
         </p:nvSpPr>
         <p:spPr>
           <a:xfrm>
-            <a:off x="6629400" y="274638"/>
-            <a:ext cx="2057400" cy="5851525"/>
+            <a:off x="8724900" y="365125"/>
+            <a:ext cx="2628900" cy="5811838"/>
           </a:xfrm>
         </p:spPr>
         <p:txBody>
@@ -928,12 +592,19 @@
               <a:rPr lang="en-US"/>
               <a:t>Click to edit Master title style</a:t>
             </a:r>
-          </a:p>
-        </p:txBody>
-      </p:sp>
-      <p:sp>
-        <p:nvSpPr>
-          <p:cNvPr id="3" name="Vertical Text Placeholder 2"/>
+            <a:endParaRPr lang="en-SG"/>
+          </a:p>
+        </p:txBody>
+      </p:sp>
+      <p:sp>
+        <p:nvSpPr>
+          <p:cNvPr id="3" name="Vertical Text Placeholder 2">
+            <a:extLst>
+              <a:ext uri="{FF2B5EF4-FFF2-40B4-BE49-F238E27FC236}">
+                <a16:creationId xmlns:a16="http://schemas.microsoft.com/office/drawing/2014/main" id="{D737D982-7E3B-423F-9B2C-A53FE35E1E54}"/>
+              </a:ext>
+            </a:extLst>
+          </p:cNvPr>
           <p:cNvSpPr>
             <a:spLocks noGrp="1"/>
           </p:cNvSpPr>
@@ -943,8 +614,8 @@
         </p:nvSpPr>
         <p:spPr>
           <a:xfrm>
-            <a:off x="457200" y="274638"/>
-            <a:ext cx="6019800" cy="5851525"/>
+            <a:off x="838200" y="365125"/>
+            <a:ext cx="7734300" cy="5811838"/>
           </a:xfrm>
         </p:spPr>
         <p:txBody>
@@ -954,7 +625,7 @@
             <a:pPr lvl="0"/>
             <a:r>
               <a:rPr lang="en-US"/>
-              <a:t>Click to edit Master text styles</a:t>
+              <a:t>Edit Master text styles</a:t>
             </a:r>
           </a:p>
           <a:p>
@@ -984,12 +655,19 @@
               <a:rPr lang="en-US"/>
               <a:t>Fifth level</a:t>
             </a:r>
-          </a:p>
-        </p:txBody>
-      </p:sp>
-      <p:sp>
-        <p:nvSpPr>
-          <p:cNvPr id="4" name="Date Placeholder 3"/>
+            <a:endParaRPr lang="en-SG"/>
+          </a:p>
+        </p:txBody>
+      </p:sp>
+      <p:sp>
+        <p:nvSpPr>
+          <p:cNvPr id="4" name="Date Placeholder 3">
+            <a:extLst>
+              <a:ext uri="{FF2B5EF4-FFF2-40B4-BE49-F238E27FC236}">
+                <a16:creationId xmlns:a16="http://schemas.microsoft.com/office/drawing/2014/main" id="{45DA9361-C62D-40B2-9FD5-5E1A49CB8080}"/>
+              </a:ext>
+            </a:extLst>
+          </p:cNvPr>
           <p:cNvSpPr>
             <a:spLocks noGrp="1"/>
           </p:cNvSpPr>
@@ -1002,17 +680,23 @@
           <a:bodyPr/>
           <a:lstStyle/>
           <a:p>
-            <a:fld id="{78C97017-6FC3-485B-9764-EAC9E56C1D49}" type="datetimeFigureOut">
-              <a:rPr lang="en-US" smtClean="0"/>
-              <a:t>7/20/17</a:t>
+            <a:fld id="{62BF26E8-16C2-416C-B1D6-5F9649E75422}" type="datetimeFigureOut">
+              <a:rPr lang="en-SG" smtClean="0"/>
+              <a:t>14/4/2018</a:t>
             </a:fld>
-            <a:endParaRPr lang="en-US"/>
-          </a:p>
-        </p:txBody>
-      </p:sp>
-      <p:sp>
-        <p:nvSpPr>
-          <p:cNvPr id="5" name="Footer Placeholder 4"/>
+            <a:endParaRPr lang="en-SG"/>
+          </a:p>
+        </p:txBody>
+      </p:sp>
+      <p:sp>
+        <p:nvSpPr>
+          <p:cNvPr id="5" name="Footer Placeholder 4">
+            <a:extLst>
+              <a:ext uri="{FF2B5EF4-FFF2-40B4-BE49-F238E27FC236}">
+                <a16:creationId xmlns:a16="http://schemas.microsoft.com/office/drawing/2014/main" id="{26C28DB6-4B56-4EBF-820F-FC261E08B72A}"/>
+              </a:ext>
+            </a:extLst>
+          </p:cNvPr>
           <p:cNvSpPr>
             <a:spLocks noGrp="1"/>
           </p:cNvSpPr>
@@ -1025,13 +709,19 @@
           <a:bodyPr/>
           <a:lstStyle/>
           <a:p>
-            <a:endParaRPr lang="en-US"/>
-          </a:p>
-        </p:txBody>
-      </p:sp>
-      <p:sp>
-        <p:nvSpPr>
-          <p:cNvPr id="6" name="Slide Number Placeholder 5"/>
+            <a:endParaRPr lang="en-SG"/>
+          </a:p>
+        </p:txBody>
+      </p:sp>
+      <p:sp>
+        <p:nvSpPr>
+          <p:cNvPr id="6" name="Slide Number Placeholder 5">
+            <a:extLst>
+              <a:ext uri="{FF2B5EF4-FFF2-40B4-BE49-F238E27FC236}">
+                <a16:creationId xmlns:a16="http://schemas.microsoft.com/office/drawing/2014/main" id="{1FA399FF-F402-4AE0-B922-ABE4E8DD167B}"/>
+              </a:ext>
+            </a:extLst>
+          </p:cNvPr>
           <p:cNvSpPr>
             <a:spLocks noGrp="1"/>
           </p:cNvSpPr>
@@ -1044,18 +734,18 @@
           <a:bodyPr/>
           <a:lstStyle/>
           <a:p>
-            <a:fld id="{FB34683C-161B-4520-BF45-B179E228CF2A}" type="slidenum">
-              <a:rPr lang="en-US" smtClean="0"/>
+            <a:fld id="{B73D482A-22D0-40AA-8A00-C68C27114349}" type="slidenum">
+              <a:rPr lang="en-SG" smtClean="0"/>
               <a:t>‹#›</a:t>
             </a:fld>
-            <a:endParaRPr lang="en-US"/>
+            <a:endParaRPr lang="en-SG"/>
           </a:p>
         </p:txBody>
       </p:sp>
     </p:spTree>
     <p:extLst>
       <p:ext uri="{BB962C8B-B14F-4D97-AF65-F5344CB8AC3E}">
-        <p14:creationId xmlns:p14="http://schemas.microsoft.com/office/powerpoint/2010/main" val="568378986"/>
+        <p14:creationId xmlns:p14="http://schemas.microsoft.com/office/powerpoint/2010/main" val="1350266777"/>
       </p:ext>
     </p:extLst>
   </p:cSld>
@@ -1084,7 +774,13 @@
       </p:grpSpPr>
       <p:sp>
         <p:nvSpPr>
-          <p:cNvPr id="2" name="Title 1"/>
+          <p:cNvPr id="2" name="Title 1">
+            <a:extLst>
+              <a:ext uri="{FF2B5EF4-FFF2-40B4-BE49-F238E27FC236}">
+                <a16:creationId xmlns:a16="http://schemas.microsoft.com/office/drawing/2014/main" id="{1B38E493-0D20-4AE7-82F2-9F407AA41767}"/>
+              </a:ext>
+            </a:extLst>
+          </p:cNvPr>
           <p:cNvSpPr>
             <a:spLocks noGrp="1"/>
           </p:cNvSpPr>
@@ -1101,12 +797,19 @@
               <a:rPr lang="en-US"/>
               <a:t>Click to edit Master title style</a:t>
             </a:r>
-          </a:p>
-        </p:txBody>
-      </p:sp>
-      <p:sp>
-        <p:nvSpPr>
-          <p:cNvPr id="3" name="Content Placeholder 2"/>
+            <a:endParaRPr lang="en-SG"/>
+          </a:p>
+        </p:txBody>
+      </p:sp>
+      <p:sp>
+        <p:nvSpPr>
+          <p:cNvPr id="3" name="Content Placeholder 2">
+            <a:extLst>
+              <a:ext uri="{FF2B5EF4-FFF2-40B4-BE49-F238E27FC236}">
+                <a16:creationId xmlns:a16="http://schemas.microsoft.com/office/drawing/2014/main" id="{5B80C9C3-5F81-4116-8807-2E8FAAA00DF3}"/>
+              </a:ext>
+            </a:extLst>
+          </p:cNvPr>
           <p:cNvSpPr>
             <a:spLocks noGrp="1"/>
           </p:cNvSpPr>
@@ -1122,7 +825,7 @@
             <a:pPr lvl="0"/>
             <a:r>
               <a:rPr lang="en-US"/>
-              <a:t>Click to edit Master text styles</a:t>
+              <a:t>Edit Master text styles</a:t>
             </a:r>
           </a:p>
           <a:p>
@@ -1152,12 +855,19 @@
               <a:rPr lang="en-US"/>
               <a:t>Fifth level</a:t>
             </a:r>
-          </a:p>
-        </p:txBody>
-      </p:sp>
-      <p:sp>
-        <p:nvSpPr>
-          <p:cNvPr id="4" name="Date Placeholder 3"/>
+            <a:endParaRPr lang="en-SG"/>
+          </a:p>
+        </p:txBody>
+      </p:sp>
+      <p:sp>
+        <p:nvSpPr>
+          <p:cNvPr id="4" name="Date Placeholder 3">
+            <a:extLst>
+              <a:ext uri="{FF2B5EF4-FFF2-40B4-BE49-F238E27FC236}">
+                <a16:creationId xmlns:a16="http://schemas.microsoft.com/office/drawing/2014/main" id="{86B0245C-BC38-4F04-9371-AFC544C0EE5B}"/>
+              </a:ext>
+            </a:extLst>
+          </p:cNvPr>
           <p:cNvSpPr>
             <a:spLocks noGrp="1"/>
           </p:cNvSpPr>
@@ -1170,17 +880,23 @@
           <a:bodyPr/>
           <a:lstStyle/>
           <a:p>
-            <a:fld id="{78C97017-6FC3-485B-9764-EAC9E56C1D49}" type="datetimeFigureOut">
-              <a:rPr lang="en-US" smtClean="0"/>
-              <a:t>7/20/17</a:t>
+            <a:fld id="{62BF26E8-16C2-416C-B1D6-5F9649E75422}" type="datetimeFigureOut">
+              <a:rPr lang="en-SG" smtClean="0"/>
+              <a:t>14/4/2018</a:t>
             </a:fld>
-            <a:endParaRPr lang="en-US"/>
-          </a:p>
-        </p:txBody>
-      </p:sp>
-      <p:sp>
-        <p:nvSpPr>
-          <p:cNvPr id="5" name="Footer Placeholder 4"/>
+            <a:endParaRPr lang="en-SG"/>
+          </a:p>
+        </p:txBody>
+      </p:sp>
+      <p:sp>
+        <p:nvSpPr>
+          <p:cNvPr id="5" name="Footer Placeholder 4">
+            <a:extLst>
+              <a:ext uri="{FF2B5EF4-FFF2-40B4-BE49-F238E27FC236}">
+                <a16:creationId xmlns:a16="http://schemas.microsoft.com/office/drawing/2014/main" id="{11014CA2-DE07-4F72-870E-5D70EC263E89}"/>
+              </a:ext>
+            </a:extLst>
+          </p:cNvPr>
           <p:cNvSpPr>
             <a:spLocks noGrp="1"/>
           </p:cNvSpPr>
@@ -1193,13 +909,19 @@
           <a:bodyPr/>
           <a:lstStyle/>
           <a:p>
-            <a:endParaRPr lang="en-US"/>
-          </a:p>
-        </p:txBody>
-      </p:sp>
-      <p:sp>
-        <p:nvSpPr>
-          <p:cNvPr id="6" name="Slide Number Placeholder 5"/>
+            <a:endParaRPr lang="en-SG"/>
+          </a:p>
+        </p:txBody>
+      </p:sp>
+      <p:sp>
+        <p:nvSpPr>
+          <p:cNvPr id="6" name="Slide Number Placeholder 5">
+            <a:extLst>
+              <a:ext uri="{FF2B5EF4-FFF2-40B4-BE49-F238E27FC236}">
+                <a16:creationId xmlns:a16="http://schemas.microsoft.com/office/drawing/2014/main" id="{90173735-CF7F-444B-B879-A39EBEC1FBCD}"/>
+              </a:ext>
+            </a:extLst>
+          </p:cNvPr>
           <p:cNvSpPr>
             <a:spLocks noGrp="1"/>
           </p:cNvSpPr>
@@ -1212,18 +934,18 @@
           <a:bodyPr/>
           <a:lstStyle/>
           <a:p>
-            <a:fld id="{FB34683C-161B-4520-BF45-B179E228CF2A}" type="slidenum">
-              <a:rPr lang="en-US" smtClean="0"/>
+            <a:fld id="{B73D482A-22D0-40AA-8A00-C68C27114349}" type="slidenum">
+              <a:rPr lang="en-SG" smtClean="0"/>
               <a:t>‹#›</a:t>
             </a:fld>
-            <a:endParaRPr lang="en-US"/>
+            <a:endParaRPr lang="en-SG"/>
           </a:p>
         </p:txBody>
       </p:sp>
     </p:spTree>
     <p:extLst>
       <p:ext uri="{BB962C8B-B14F-4D97-AF65-F5344CB8AC3E}">
-        <p14:creationId xmlns:p14="http://schemas.microsoft.com/office/powerpoint/2010/main" val="266658052"/>
+        <p14:creationId xmlns:p14="http://schemas.microsoft.com/office/powerpoint/2010/main" val="2259517759"/>
       </p:ext>
     </p:extLst>
   </p:cSld>
@@ -1252,7 +974,13 @@
       </p:grpSpPr>
       <p:sp>
         <p:nvSpPr>
-          <p:cNvPr id="2" name="Title 1"/>
+          <p:cNvPr id="2" name="Title 1">
+            <a:extLst>
+              <a:ext uri="{FF2B5EF4-FFF2-40B4-BE49-F238E27FC236}">
+                <a16:creationId xmlns:a16="http://schemas.microsoft.com/office/drawing/2014/main" id="{428CB133-5D92-432A-BC23-173D01E1A31A}"/>
+              </a:ext>
+            </a:extLst>
+          </p:cNvPr>
           <p:cNvSpPr>
             <a:spLocks noGrp="1"/>
           </p:cNvSpPr>
@@ -1262,15 +990,15 @@
         </p:nvSpPr>
         <p:spPr>
           <a:xfrm>
-            <a:off x="722313" y="4406900"/>
-            <a:ext cx="7772400" cy="1362075"/>
-          </a:xfrm>
-        </p:spPr>
-        <p:txBody>
-          <a:bodyPr anchor="t"/>
+            <a:off x="831850" y="1709738"/>
+            <a:ext cx="10515600" cy="2852737"/>
+          </a:xfrm>
+        </p:spPr>
+        <p:txBody>
+          <a:bodyPr anchor="b"/>
           <a:lstStyle>
-            <a:lvl1pPr algn="l">
-              <a:defRPr sz="4000" b="1" cap="all"/>
+            <a:lvl1pPr>
+              <a:defRPr sz="6000"/>
             </a:lvl1pPr>
           </a:lstStyle>
           <a:p>
@@ -1278,12 +1006,19 @@
               <a:rPr lang="en-US"/>
               <a:t>Click to edit Master title style</a:t>
             </a:r>
-          </a:p>
-        </p:txBody>
-      </p:sp>
-      <p:sp>
-        <p:nvSpPr>
-          <p:cNvPr id="3" name="Text Placeholder 2"/>
+            <a:endParaRPr lang="en-SG"/>
+          </a:p>
+        </p:txBody>
+      </p:sp>
+      <p:sp>
+        <p:nvSpPr>
+          <p:cNvPr id="3" name="Text Placeholder 2">
+            <a:extLst>
+              <a:ext uri="{FF2B5EF4-FFF2-40B4-BE49-F238E27FC236}">
+                <a16:creationId xmlns:a16="http://schemas.microsoft.com/office/drawing/2014/main" id="{EAD98957-2094-4F3D-ACE1-DACFEBB90FE9}"/>
+              </a:ext>
+            </a:extLst>
+          </p:cNvPr>
           <p:cNvSpPr>
             <a:spLocks noGrp="1"/>
           </p:cNvSpPr>
@@ -1293,16 +1028,16 @@
         </p:nvSpPr>
         <p:spPr>
           <a:xfrm>
-            <a:off x="722313" y="2906713"/>
-            <a:ext cx="7772400" cy="1500187"/>
-          </a:xfrm>
-        </p:spPr>
-        <p:txBody>
-          <a:bodyPr anchor="b"/>
+            <a:off x="831850" y="4589463"/>
+            <a:ext cx="10515600" cy="1500187"/>
+          </a:xfrm>
+        </p:spPr>
+        <p:txBody>
+          <a:bodyPr/>
           <a:lstStyle>
             <a:lvl1pPr marL="0" indent="0">
               <a:buNone/>
-              <a:defRPr sz="2000">
+              <a:defRPr sz="2400">
                 <a:solidFill>
                   <a:schemeClr val="tx1">
                     <a:tint val="75000"/>
@@ -1312,7 +1047,7 @@
             </a:lvl1pPr>
             <a:lvl2pPr marL="457200" indent="0">
               <a:buNone/>
-              <a:defRPr sz="1800">
+              <a:defRPr sz="2000">
                 <a:solidFill>
                   <a:schemeClr val="tx1">
                     <a:tint val="75000"/>
@@ -1322,7 +1057,7 @@
             </a:lvl2pPr>
             <a:lvl3pPr marL="914400" indent="0">
               <a:buNone/>
-              <a:defRPr sz="1600">
+              <a:defRPr sz="1800">
                 <a:solidFill>
                   <a:schemeClr val="tx1">
                     <a:tint val="75000"/>
@@ -1332,7 +1067,7 @@
             </a:lvl3pPr>
             <a:lvl4pPr marL="1371600" indent="0">
               <a:buNone/>
-              <a:defRPr sz="1400">
+              <a:defRPr sz="1600">
                 <a:solidFill>
                   <a:schemeClr val="tx1">
                     <a:tint val="75000"/>
@@ -1342,7 +1077,7 @@
             </a:lvl4pPr>
             <a:lvl5pPr marL="1828800" indent="0">
               <a:buNone/>
-              <a:defRPr sz="1400">
+              <a:defRPr sz="1600">
                 <a:solidFill>
                   <a:schemeClr val="tx1">
                     <a:tint val="75000"/>
@@ -1352,7 +1087,7 @@
             </a:lvl5pPr>
             <a:lvl6pPr marL="2286000" indent="0">
               <a:buNone/>
-              <a:defRPr sz="1400">
+              <a:defRPr sz="1600">
                 <a:solidFill>
                   <a:schemeClr val="tx1">
                     <a:tint val="75000"/>
@@ -1362,7 +1097,7 @@
             </a:lvl6pPr>
             <a:lvl7pPr marL="2743200" indent="0">
               <a:buNone/>
-              <a:defRPr sz="1400">
+              <a:defRPr sz="1600">
                 <a:solidFill>
                   <a:schemeClr val="tx1">
                     <a:tint val="75000"/>
@@ -1372,7 +1107,7 @@
             </a:lvl7pPr>
             <a:lvl8pPr marL="3200400" indent="0">
               <a:buNone/>
-              <a:defRPr sz="1400">
+              <a:defRPr sz="1600">
                 <a:solidFill>
                   <a:schemeClr val="tx1">
                     <a:tint val="75000"/>
@@ -1382,7 +1117,7 @@
             </a:lvl8pPr>
             <a:lvl9pPr marL="3657600" indent="0">
               <a:buNone/>
-              <a:defRPr sz="1400">
+              <a:defRPr sz="1600">
                 <a:solidFill>
                   <a:schemeClr val="tx1">
                     <a:tint val="75000"/>
@@ -1395,14 +1130,20 @@
             <a:pPr lvl="0"/>
             <a:r>
               <a:rPr lang="en-US"/>
-              <a:t>Click to edit Master text styles</a:t>
-            </a:r>
-          </a:p>
-        </p:txBody>
-      </p:sp>
-      <p:sp>
-        <p:nvSpPr>
-          <p:cNvPr id="4" name="Date Placeholder 3"/>
+              <a:t>Edit Master text styles</a:t>
+            </a:r>
+          </a:p>
+        </p:txBody>
+      </p:sp>
+      <p:sp>
+        <p:nvSpPr>
+          <p:cNvPr id="4" name="Date Placeholder 3">
+            <a:extLst>
+              <a:ext uri="{FF2B5EF4-FFF2-40B4-BE49-F238E27FC236}">
+                <a16:creationId xmlns:a16="http://schemas.microsoft.com/office/drawing/2014/main" id="{54A6BA32-37EA-41D3-A9AC-8D71797CA637}"/>
+              </a:ext>
+            </a:extLst>
+          </p:cNvPr>
           <p:cNvSpPr>
             <a:spLocks noGrp="1"/>
           </p:cNvSpPr>
@@ -1415,17 +1156,23 @@
           <a:bodyPr/>
           <a:lstStyle/>
           <a:p>
-            <a:fld id="{78C97017-6FC3-485B-9764-EAC9E56C1D49}" type="datetimeFigureOut">
-              <a:rPr lang="en-US" smtClean="0"/>
-              <a:t>7/20/17</a:t>
+            <a:fld id="{62BF26E8-16C2-416C-B1D6-5F9649E75422}" type="datetimeFigureOut">
+              <a:rPr lang="en-SG" smtClean="0"/>
+              <a:t>14/4/2018</a:t>
             </a:fld>
-            <a:endParaRPr lang="en-US"/>
-          </a:p>
-        </p:txBody>
-      </p:sp>
-      <p:sp>
-        <p:nvSpPr>
-          <p:cNvPr id="5" name="Footer Placeholder 4"/>
+            <a:endParaRPr lang="en-SG"/>
+          </a:p>
+        </p:txBody>
+      </p:sp>
+      <p:sp>
+        <p:nvSpPr>
+          <p:cNvPr id="5" name="Footer Placeholder 4">
+            <a:extLst>
+              <a:ext uri="{FF2B5EF4-FFF2-40B4-BE49-F238E27FC236}">
+                <a16:creationId xmlns:a16="http://schemas.microsoft.com/office/drawing/2014/main" id="{ECB3A54F-7226-4381-8AAA-53416598BF2D}"/>
+              </a:ext>
+            </a:extLst>
+          </p:cNvPr>
           <p:cNvSpPr>
             <a:spLocks noGrp="1"/>
           </p:cNvSpPr>
@@ -1438,13 +1185,19 @@
           <a:bodyPr/>
           <a:lstStyle/>
           <a:p>
-            <a:endParaRPr lang="en-US"/>
-          </a:p>
-        </p:txBody>
-      </p:sp>
-      <p:sp>
-        <p:nvSpPr>
-          <p:cNvPr id="6" name="Slide Number Placeholder 5"/>
+            <a:endParaRPr lang="en-SG"/>
+          </a:p>
+        </p:txBody>
+      </p:sp>
+      <p:sp>
+        <p:nvSpPr>
+          <p:cNvPr id="6" name="Slide Number Placeholder 5">
+            <a:extLst>
+              <a:ext uri="{FF2B5EF4-FFF2-40B4-BE49-F238E27FC236}">
+                <a16:creationId xmlns:a16="http://schemas.microsoft.com/office/drawing/2014/main" id="{03669E6B-A234-4FD0-AD63-BFD4D0B04019}"/>
+              </a:ext>
+            </a:extLst>
+          </p:cNvPr>
           <p:cNvSpPr>
             <a:spLocks noGrp="1"/>
           </p:cNvSpPr>
@@ -1457,18 +1210,18 @@
           <a:bodyPr/>
           <a:lstStyle/>
           <a:p>
-            <a:fld id="{FB34683C-161B-4520-BF45-B179E228CF2A}" type="slidenum">
-              <a:rPr lang="en-US" smtClean="0"/>
+            <a:fld id="{B73D482A-22D0-40AA-8A00-C68C27114349}" type="slidenum">
+              <a:rPr lang="en-SG" smtClean="0"/>
               <a:t>‹#›</a:t>
             </a:fld>
-            <a:endParaRPr lang="en-US"/>
+            <a:endParaRPr lang="en-SG"/>
           </a:p>
         </p:txBody>
       </p:sp>
     </p:spTree>
     <p:extLst>
       <p:ext uri="{BB962C8B-B14F-4D97-AF65-F5344CB8AC3E}">
-        <p14:creationId xmlns:p14="http://schemas.microsoft.com/office/powerpoint/2010/main" val="474686344"/>
+        <p14:creationId xmlns:p14="http://schemas.microsoft.com/office/powerpoint/2010/main" val="571271453"/>
       </p:ext>
     </p:extLst>
   </p:cSld>
@@ -1497,7 +1250,13 @@
       </p:grpSpPr>
       <p:sp>
         <p:nvSpPr>
-          <p:cNvPr id="2" name="Title 1"/>
+          <p:cNvPr id="2" name="Title 1">
+            <a:extLst>
+              <a:ext uri="{FF2B5EF4-FFF2-40B4-BE49-F238E27FC236}">
+                <a16:creationId xmlns:a16="http://schemas.microsoft.com/office/drawing/2014/main" id="{8C1D240F-8289-40CC-BE62-D3BAD3E473E3}"/>
+              </a:ext>
+            </a:extLst>
+          </p:cNvPr>
           <p:cNvSpPr>
             <a:spLocks noGrp="1"/>
           </p:cNvSpPr>
@@ -1514,12 +1273,19 @@
               <a:rPr lang="en-US"/>
               <a:t>Click to edit Master title style</a:t>
             </a:r>
-          </a:p>
-        </p:txBody>
-      </p:sp>
-      <p:sp>
-        <p:nvSpPr>
-          <p:cNvPr id="3" name="Content Placeholder 2"/>
+            <a:endParaRPr lang="en-SG"/>
+          </a:p>
+        </p:txBody>
+      </p:sp>
+      <p:sp>
+        <p:nvSpPr>
+          <p:cNvPr id="3" name="Content Placeholder 2">
+            <a:extLst>
+              <a:ext uri="{FF2B5EF4-FFF2-40B4-BE49-F238E27FC236}">
+                <a16:creationId xmlns:a16="http://schemas.microsoft.com/office/drawing/2014/main" id="{E1FE726F-EE33-42D6-8051-B1AF451AF70C}"/>
+              </a:ext>
+            </a:extLst>
+          </p:cNvPr>
           <p:cNvSpPr>
             <a:spLocks noGrp="1"/>
           </p:cNvSpPr>
@@ -1529,46 +1295,18 @@
         </p:nvSpPr>
         <p:spPr>
           <a:xfrm>
-            <a:off x="457200" y="1600200"/>
-            <a:ext cx="4038600" cy="4525963"/>
+            <a:off x="838200" y="1825625"/>
+            <a:ext cx="5181600" cy="4351338"/>
           </a:xfrm>
         </p:spPr>
         <p:txBody>
           <a:bodyPr/>
-          <a:lstStyle>
-            <a:lvl1pPr>
-              <a:defRPr sz="2800"/>
-            </a:lvl1pPr>
-            <a:lvl2pPr>
-              <a:defRPr sz="2400"/>
-            </a:lvl2pPr>
-            <a:lvl3pPr>
-              <a:defRPr sz="2000"/>
-            </a:lvl3pPr>
-            <a:lvl4pPr>
-              <a:defRPr sz="1800"/>
-            </a:lvl4pPr>
-            <a:lvl5pPr>
-              <a:defRPr sz="1800"/>
-            </a:lvl5pPr>
-            <a:lvl6pPr>
-              <a:defRPr sz="1800"/>
-            </a:lvl6pPr>
-            <a:lvl7pPr>
-              <a:defRPr sz="1800"/>
-            </a:lvl7pPr>
-            <a:lvl8pPr>
-              <a:defRPr sz="1800"/>
-            </a:lvl8pPr>
-            <a:lvl9pPr>
-              <a:defRPr sz="1800"/>
-            </a:lvl9pPr>
-          </a:lstStyle>
+          <a:lstStyle/>
           <a:p>
             <a:pPr lvl="0"/>
             <a:r>
               <a:rPr lang="en-US"/>
-              <a:t>Click to edit Master text styles</a:t>
+              <a:t>Edit Master text styles</a:t>
             </a:r>
           </a:p>
           <a:p>
@@ -1598,12 +1336,19 @@
               <a:rPr lang="en-US"/>
               <a:t>Fifth level</a:t>
             </a:r>
-          </a:p>
-        </p:txBody>
-      </p:sp>
-      <p:sp>
-        <p:nvSpPr>
-          <p:cNvPr id="4" name="Content Placeholder 3"/>
+            <a:endParaRPr lang="en-SG"/>
+          </a:p>
+        </p:txBody>
+      </p:sp>
+      <p:sp>
+        <p:nvSpPr>
+          <p:cNvPr id="4" name="Content Placeholder 3">
+            <a:extLst>
+              <a:ext uri="{FF2B5EF4-FFF2-40B4-BE49-F238E27FC236}">
+                <a16:creationId xmlns:a16="http://schemas.microsoft.com/office/drawing/2014/main" id="{4F5544EC-6B1F-47E3-B0A4-625378EC4E28}"/>
+              </a:ext>
+            </a:extLst>
+          </p:cNvPr>
           <p:cNvSpPr>
             <a:spLocks noGrp="1"/>
           </p:cNvSpPr>
@@ -1613,46 +1358,18 @@
         </p:nvSpPr>
         <p:spPr>
           <a:xfrm>
-            <a:off x="4648200" y="1600200"/>
-            <a:ext cx="4038600" cy="4525963"/>
+            <a:off x="6172200" y="1825625"/>
+            <a:ext cx="5181600" cy="4351338"/>
           </a:xfrm>
         </p:spPr>
         <p:txBody>
           <a:bodyPr/>
-          <a:lstStyle>
-            <a:lvl1pPr>
-              <a:defRPr sz="2800"/>
-            </a:lvl1pPr>
-            <a:lvl2pPr>
-              <a:defRPr sz="2400"/>
-            </a:lvl2pPr>
-            <a:lvl3pPr>
-              <a:defRPr sz="2000"/>
-            </a:lvl3pPr>
-            <a:lvl4pPr>
-              <a:defRPr sz="1800"/>
-            </a:lvl4pPr>
-            <a:lvl5pPr>
-              <a:defRPr sz="1800"/>
-            </a:lvl5pPr>
-            <a:lvl6pPr>
-              <a:defRPr sz="1800"/>
-            </a:lvl6pPr>
-            <a:lvl7pPr>
-              <a:defRPr sz="1800"/>
-            </a:lvl7pPr>
-            <a:lvl8pPr>
-              <a:defRPr sz="1800"/>
-            </a:lvl8pPr>
-            <a:lvl9pPr>
-              <a:defRPr sz="1800"/>
-            </a:lvl9pPr>
-          </a:lstStyle>
+          <a:lstStyle/>
           <a:p>
             <a:pPr lvl="0"/>
             <a:r>
               <a:rPr lang="en-US"/>
-              <a:t>Click to edit Master text styles</a:t>
+              <a:t>Edit Master text styles</a:t>
             </a:r>
           </a:p>
           <a:p>
@@ -1682,12 +1399,19 @@
               <a:rPr lang="en-US"/>
               <a:t>Fifth level</a:t>
             </a:r>
-          </a:p>
-        </p:txBody>
-      </p:sp>
-      <p:sp>
-        <p:nvSpPr>
-          <p:cNvPr id="5" name="Date Placeholder 4"/>
+            <a:endParaRPr lang="en-SG"/>
+          </a:p>
+        </p:txBody>
+      </p:sp>
+      <p:sp>
+        <p:nvSpPr>
+          <p:cNvPr id="5" name="Date Placeholder 4">
+            <a:extLst>
+              <a:ext uri="{FF2B5EF4-FFF2-40B4-BE49-F238E27FC236}">
+                <a16:creationId xmlns:a16="http://schemas.microsoft.com/office/drawing/2014/main" id="{1502EAE0-AA4B-418A-97C5-B5D844626F2A}"/>
+              </a:ext>
+            </a:extLst>
+          </p:cNvPr>
           <p:cNvSpPr>
             <a:spLocks noGrp="1"/>
           </p:cNvSpPr>
@@ -1700,17 +1424,23 @@
           <a:bodyPr/>
           <a:lstStyle/>
           <a:p>
-            <a:fld id="{78C97017-6FC3-485B-9764-EAC9E56C1D49}" type="datetimeFigureOut">
-              <a:rPr lang="en-US" smtClean="0"/>
-              <a:t>7/20/17</a:t>
+            <a:fld id="{62BF26E8-16C2-416C-B1D6-5F9649E75422}" type="datetimeFigureOut">
+              <a:rPr lang="en-SG" smtClean="0"/>
+              <a:t>14/4/2018</a:t>
             </a:fld>
-            <a:endParaRPr lang="en-US"/>
-          </a:p>
-        </p:txBody>
-      </p:sp>
-      <p:sp>
-        <p:nvSpPr>
-          <p:cNvPr id="6" name="Footer Placeholder 5"/>
+            <a:endParaRPr lang="en-SG"/>
+          </a:p>
+        </p:txBody>
+      </p:sp>
+      <p:sp>
+        <p:nvSpPr>
+          <p:cNvPr id="6" name="Footer Placeholder 5">
+            <a:extLst>
+              <a:ext uri="{FF2B5EF4-FFF2-40B4-BE49-F238E27FC236}">
+                <a16:creationId xmlns:a16="http://schemas.microsoft.com/office/drawing/2014/main" id="{E0DD3598-5E26-4AA4-8470-7BA59215E34D}"/>
+              </a:ext>
+            </a:extLst>
+          </p:cNvPr>
           <p:cNvSpPr>
             <a:spLocks noGrp="1"/>
           </p:cNvSpPr>
@@ -1723,13 +1453,19 @@
           <a:bodyPr/>
           <a:lstStyle/>
           <a:p>
-            <a:endParaRPr lang="en-US"/>
-          </a:p>
-        </p:txBody>
-      </p:sp>
-      <p:sp>
-        <p:nvSpPr>
-          <p:cNvPr id="7" name="Slide Number Placeholder 6"/>
+            <a:endParaRPr lang="en-SG"/>
+          </a:p>
+        </p:txBody>
+      </p:sp>
+      <p:sp>
+        <p:nvSpPr>
+          <p:cNvPr id="7" name="Slide Number Placeholder 6">
+            <a:extLst>
+              <a:ext uri="{FF2B5EF4-FFF2-40B4-BE49-F238E27FC236}">
+                <a16:creationId xmlns:a16="http://schemas.microsoft.com/office/drawing/2014/main" id="{B4FBC6C0-1CE6-4CF8-92F6-DA46408E02CB}"/>
+              </a:ext>
+            </a:extLst>
+          </p:cNvPr>
           <p:cNvSpPr>
             <a:spLocks noGrp="1"/>
           </p:cNvSpPr>
@@ -1742,18 +1478,18 @@
           <a:bodyPr/>
           <a:lstStyle/>
           <a:p>
-            <a:fld id="{FB34683C-161B-4520-BF45-B179E228CF2A}" type="slidenum">
-              <a:rPr lang="en-US" smtClean="0"/>
+            <a:fld id="{B73D482A-22D0-40AA-8A00-C68C27114349}" type="slidenum">
+              <a:rPr lang="en-SG" smtClean="0"/>
               <a:t>‹#›</a:t>
             </a:fld>
-            <a:endParaRPr lang="en-US"/>
+            <a:endParaRPr lang="en-SG"/>
           </a:p>
         </p:txBody>
       </p:sp>
     </p:spTree>
     <p:extLst>
       <p:ext uri="{BB962C8B-B14F-4D97-AF65-F5344CB8AC3E}">
-        <p14:creationId xmlns:p14="http://schemas.microsoft.com/office/powerpoint/2010/main" val="562293251"/>
+        <p14:creationId xmlns:p14="http://schemas.microsoft.com/office/powerpoint/2010/main" val="1399827447"/>
       </p:ext>
     </p:extLst>
   </p:cSld>
@@ -1782,7 +1518,13 @@
       </p:grpSpPr>
       <p:sp>
         <p:nvSpPr>
-          <p:cNvPr id="2" name="Title 1"/>
+          <p:cNvPr id="2" name="Title 1">
+            <a:extLst>
+              <a:ext uri="{FF2B5EF4-FFF2-40B4-BE49-F238E27FC236}">
+                <a16:creationId xmlns:a16="http://schemas.microsoft.com/office/drawing/2014/main" id="{AB2A895D-D1F3-4BF6-B885-CBD6E362F86B}"/>
+              </a:ext>
+            </a:extLst>
+          </p:cNvPr>
           <p:cNvSpPr>
             <a:spLocks noGrp="1"/>
           </p:cNvSpPr>
@@ -1790,25 +1532,33 @@
             <p:ph type="title"/>
           </p:nvPr>
         </p:nvSpPr>
-        <p:spPr/>
+        <p:spPr>
+          <a:xfrm>
+            <a:off x="839788" y="365125"/>
+            <a:ext cx="10515600" cy="1325563"/>
+          </a:xfrm>
+        </p:spPr>
         <p:txBody>
           <a:bodyPr/>
-          <a:lstStyle>
-            <a:lvl1pPr>
-              <a:defRPr/>
-            </a:lvl1pPr>
-          </a:lstStyle>
+          <a:lstStyle/>
           <a:p>
             <a:r>
               <a:rPr lang="en-US"/>
               <a:t>Click to edit Master title style</a:t>
             </a:r>
-          </a:p>
-        </p:txBody>
-      </p:sp>
-      <p:sp>
-        <p:nvSpPr>
-          <p:cNvPr id="3" name="Text Placeholder 2"/>
+            <a:endParaRPr lang="en-SG"/>
+          </a:p>
+        </p:txBody>
+      </p:sp>
+      <p:sp>
+        <p:nvSpPr>
+          <p:cNvPr id="3" name="Text Placeholder 2">
+            <a:extLst>
+              <a:ext uri="{FF2B5EF4-FFF2-40B4-BE49-F238E27FC236}">
+                <a16:creationId xmlns:a16="http://schemas.microsoft.com/office/drawing/2014/main" id="{B2237924-0048-458E-8EE9-07B1EB838FD1}"/>
+              </a:ext>
+            </a:extLst>
+          </p:cNvPr>
           <p:cNvSpPr>
             <a:spLocks noGrp="1"/>
           </p:cNvSpPr>
@@ -1818,8 +1568,8 @@
         </p:nvSpPr>
         <p:spPr>
           <a:xfrm>
-            <a:off x="457200" y="1535113"/>
-            <a:ext cx="4040188" cy="639762"/>
+            <a:off x="839788" y="1681163"/>
+            <a:ext cx="5157787" cy="823912"/>
           </a:xfrm>
         </p:spPr>
         <p:txBody>
@@ -1866,14 +1616,20 @@
             <a:pPr lvl="0"/>
             <a:r>
               <a:rPr lang="en-US"/>
-              <a:t>Click to edit Master text styles</a:t>
-            </a:r>
-          </a:p>
-        </p:txBody>
-      </p:sp>
-      <p:sp>
-        <p:nvSpPr>
-          <p:cNvPr id="4" name="Content Placeholder 3"/>
+              <a:t>Edit Master text styles</a:t>
+            </a:r>
+          </a:p>
+        </p:txBody>
+      </p:sp>
+      <p:sp>
+        <p:nvSpPr>
+          <p:cNvPr id="4" name="Content Placeholder 3">
+            <a:extLst>
+              <a:ext uri="{FF2B5EF4-FFF2-40B4-BE49-F238E27FC236}">
+                <a16:creationId xmlns:a16="http://schemas.microsoft.com/office/drawing/2014/main" id="{E17F05CC-2E3A-4353-B49B-9E7DB4C8D74C}"/>
+              </a:ext>
+            </a:extLst>
+          </p:cNvPr>
           <p:cNvSpPr>
             <a:spLocks noGrp="1"/>
           </p:cNvSpPr>
@@ -1883,46 +1639,18 @@
         </p:nvSpPr>
         <p:spPr>
           <a:xfrm>
-            <a:off x="457200" y="2174875"/>
-            <a:ext cx="4040188" cy="3951288"/>
+            <a:off x="839788" y="2505075"/>
+            <a:ext cx="5157787" cy="3684588"/>
           </a:xfrm>
         </p:spPr>
         <p:txBody>
           <a:bodyPr/>
-          <a:lstStyle>
-            <a:lvl1pPr>
-              <a:defRPr sz="2400"/>
-            </a:lvl1pPr>
-            <a:lvl2pPr>
-              <a:defRPr sz="2000"/>
-            </a:lvl2pPr>
-            <a:lvl3pPr>
-              <a:defRPr sz="1800"/>
-            </a:lvl3pPr>
-            <a:lvl4pPr>
-              <a:defRPr sz="1600"/>
-            </a:lvl4pPr>
-            <a:lvl5pPr>
-              <a:defRPr sz="1600"/>
-            </a:lvl5pPr>
-            <a:lvl6pPr>
-              <a:defRPr sz="1600"/>
-            </a:lvl6pPr>
-            <a:lvl7pPr>
-              <a:defRPr sz="1600"/>
-            </a:lvl7pPr>
-            <a:lvl8pPr>
-              <a:defRPr sz="1600"/>
-            </a:lvl8pPr>
-            <a:lvl9pPr>
-              <a:defRPr sz="1600"/>
-            </a:lvl9pPr>
-          </a:lstStyle>
+          <a:lstStyle/>
           <a:p>
             <a:pPr lvl="0"/>
             <a:r>
               <a:rPr lang="en-US"/>
-              <a:t>Click to edit Master text styles</a:t>
+              <a:t>Edit Master text styles</a:t>
             </a:r>
           </a:p>
           <a:p>
@@ -1952,12 +1680,19 @@
               <a:rPr lang="en-US"/>
               <a:t>Fifth level</a:t>
             </a:r>
-          </a:p>
-        </p:txBody>
-      </p:sp>
-      <p:sp>
-        <p:nvSpPr>
-          <p:cNvPr id="5" name="Text Placeholder 4"/>
+            <a:endParaRPr lang="en-SG"/>
+          </a:p>
+        </p:txBody>
+      </p:sp>
+      <p:sp>
+        <p:nvSpPr>
+          <p:cNvPr id="5" name="Text Placeholder 4">
+            <a:extLst>
+              <a:ext uri="{FF2B5EF4-FFF2-40B4-BE49-F238E27FC236}">
+                <a16:creationId xmlns:a16="http://schemas.microsoft.com/office/drawing/2014/main" id="{C17FA1EA-8144-4479-8F2E-DF17C45AEDDE}"/>
+              </a:ext>
+            </a:extLst>
+          </p:cNvPr>
           <p:cNvSpPr>
             <a:spLocks noGrp="1"/>
           </p:cNvSpPr>
@@ -1967,8 +1702,8 @@
         </p:nvSpPr>
         <p:spPr>
           <a:xfrm>
-            <a:off x="4645025" y="1535113"/>
-            <a:ext cx="4041775" cy="639762"/>
+            <a:off x="6172200" y="1681163"/>
+            <a:ext cx="5183188" cy="823912"/>
           </a:xfrm>
         </p:spPr>
         <p:txBody>
@@ -2015,14 +1750,20 @@
             <a:pPr lvl="0"/>
             <a:r>
               <a:rPr lang="en-US"/>
-              <a:t>Click to edit Master text styles</a:t>
-            </a:r>
-          </a:p>
-        </p:txBody>
-      </p:sp>
-      <p:sp>
-        <p:nvSpPr>
-          <p:cNvPr id="6" name="Content Placeholder 5"/>
+              <a:t>Edit Master text styles</a:t>
+            </a:r>
+          </a:p>
+        </p:txBody>
+      </p:sp>
+      <p:sp>
+        <p:nvSpPr>
+          <p:cNvPr id="6" name="Content Placeholder 5">
+            <a:extLst>
+              <a:ext uri="{FF2B5EF4-FFF2-40B4-BE49-F238E27FC236}">
+                <a16:creationId xmlns:a16="http://schemas.microsoft.com/office/drawing/2014/main" id="{737AA6C6-2159-4979-BF3B-4F499C8FD09A}"/>
+              </a:ext>
+            </a:extLst>
+          </p:cNvPr>
           <p:cNvSpPr>
             <a:spLocks noGrp="1"/>
           </p:cNvSpPr>
@@ -2032,46 +1773,18 @@
         </p:nvSpPr>
         <p:spPr>
           <a:xfrm>
-            <a:off x="4645025" y="2174875"/>
-            <a:ext cx="4041775" cy="3951288"/>
+            <a:off x="6172200" y="2505075"/>
+            <a:ext cx="5183188" cy="3684588"/>
           </a:xfrm>
         </p:spPr>
         <p:txBody>
           <a:bodyPr/>
-          <a:lstStyle>
-            <a:lvl1pPr>
-              <a:defRPr sz="2400"/>
-            </a:lvl1pPr>
-            <a:lvl2pPr>
-              <a:defRPr sz="2000"/>
-            </a:lvl2pPr>
-            <a:lvl3pPr>
-              <a:defRPr sz="1800"/>
-            </a:lvl3pPr>
-            <a:lvl4pPr>
-              <a:defRPr sz="1600"/>
-            </a:lvl4pPr>
-            <a:lvl5pPr>
-              <a:defRPr sz="1600"/>
-            </a:lvl5pPr>
-            <a:lvl6pPr>
-              <a:defRPr sz="1600"/>
-            </a:lvl6pPr>
-            <a:lvl7pPr>
-              <a:defRPr sz="1600"/>
-            </a:lvl7pPr>
-            <a:lvl8pPr>
-              <a:defRPr sz="1600"/>
-            </a:lvl8pPr>
-            <a:lvl9pPr>
-              <a:defRPr sz="1600"/>
-            </a:lvl9pPr>
-          </a:lstStyle>
+          <a:lstStyle/>
           <a:p>
             <a:pPr lvl="0"/>
             <a:r>
               <a:rPr lang="en-US"/>
-              <a:t>Click to edit Master text styles</a:t>
+              <a:t>Edit Master text styles</a:t>
             </a:r>
           </a:p>
           <a:p>
@@ -2101,12 +1814,19 @@
               <a:rPr lang="en-US"/>
               <a:t>Fifth level</a:t>
             </a:r>
-          </a:p>
-        </p:txBody>
-      </p:sp>
-      <p:sp>
-        <p:nvSpPr>
-          <p:cNvPr id="7" name="Date Placeholder 6"/>
+            <a:endParaRPr lang="en-SG"/>
+          </a:p>
+        </p:txBody>
+      </p:sp>
+      <p:sp>
+        <p:nvSpPr>
+          <p:cNvPr id="7" name="Date Placeholder 6">
+            <a:extLst>
+              <a:ext uri="{FF2B5EF4-FFF2-40B4-BE49-F238E27FC236}">
+                <a16:creationId xmlns:a16="http://schemas.microsoft.com/office/drawing/2014/main" id="{F20352EA-9ACE-42A3-A06B-93A3323267BC}"/>
+              </a:ext>
+            </a:extLst>
+          </p:cNvPr>
           <p:cNvSpPr>
             <a:spLocks noGrp="1"/>
           </p:cNvSpPr>
@@ -2119,17 +1839,23 @@
           <a:bodyPr/>
           <a:lstStyle/>
           <a:p>
-            <a:fld id="{78C97017-6FC3-485B-9764-EAC9E56C1D49}" type="datetimeFigureOut">
-              <a:rPr lang="en-US" smtClean="0"/>
-              <a:t>7/20/17</a:t>
+            <a:fld id="{62BF26E8-16C2-416C-B1D6-5F9649E75422}" type="datetimeFigureOut">
+              <a:rPr lang="en-SG" smtClean="0"/>
+              <a:t>14/4/2018</a:t>
             </a:fld>
-            <a:endParaRPr lang="en-US"/>
-          </a:p>
-        </p:txBody>
-      </p:sp>
-      <p:sp>
-        <p:nvSpPr>
-          <p:cNvPr id="8" name="Footer Placeholder 7"/>
+            <a:endParaRPr lang="en-SG"/>
+          </a:p>
+        </p:txBody>
+      </p:sp>
+      <p:sp>
+        <p:nvSpPr>
+          <p:cNvPr id="8" name="Footer Placeholder 7">
+            <a:extLst>
+              <a:ext uri="{FF2B5EF4-FFF2-40B4-BE49-F238E27FC236}">
+                <a16:creationId xmlns:a16="http://schemas.microsoft.com/office/drawing/2014/main" id="{12D92A3E-5C61-4EF6-83E3-488159946EAB}"/>
+              </a:ext>
+            </a:extLst>
+          </p:cNvPr>
           <p:cNvSpPr>
             <a:spLocks noGrp="1"/>
           </p:cNvSpPr>
@@ -2142,13 +1868,19 @@
           <a:bodyPr/>
           <a:lstStyle/>
           <a:p>
-            <a:endParaRPr lang="en-US"/>
-          </a:p>
-        </p:txBody>
-      </p:sp>
-      <p:sp>
-        <p:nvSpPr>
-          <p:cNvPr id="9" name="Slide Number Placeholder 8"/>
+            <a:endParaRPr lang="en-SG"/>
+          </a:p>
+        </p:txBody>
+      </p:sp>
+      <p:sp>
+        <p:nvSpPr>
+          <p:cNvPr id="9" name="Slide Number Placeholder 8">
+            <a:extLst>
+              <a:ext uri="{FF2B5EF4-FFF2-40B4-BE49-F238E27FC236}">
+                <a16:creationId xmlns:a16="http://schemas.microsoft.com/office/drawing/2014/main" id="{97734876-C443-41CC-8B75-57C496CF034E}"/>
+              </a:ext>
+            </a:extLst>
+          </p:cNvPr>
           <p:cNvSpPr>
             <a:spLocks noGrp="1"/>
           </p:cNvSpPr>
@@ -2161,18 +1893,18 @@
           <a:bodyPr/>
           <a:lstStyle/>
           <a:p>
-            <a:fld id="{FB34683C-161B-4520-BF45-B179E228CF2A}" type="slidenum">
-              <a:rPr lang="en-US" smtClean="0"/>
+            <a:fld id="{B73D482A-22D0-40AA-8A00-C68C27114349}" type="slidenum">
+              <a:rPr lang="en-SG" smtClean="0"/>
               <a:t>‹#›</a:t>
             </a:fld>
-            <a:endParaRPr lang="en-US"/>
+            <a:endParaRPr lang="en-SG"/>
           </a:p>
         </p:txBody>
       </p:sp>
     </p:spTree>
     <p:extLst>
       <p:ext uri="{BB962C8B-B14F-4D97-AF65-F5344CB8AC3E}">
-        <p14:creationId xmlns:p14="http://schemas.microsoft.com/office/powerpoint/2010/main" val="1126424250"/>
+        <p14:creationId xmlns:p14="http://schemas.microsoft.com/office/powerpoint/2010/main" val="2785813332"/>
       </p:ext>
     </p:extLst>
   </p:cSld>
@@ -2201,7 +1933,13 @@
       </p:grpSpPr>
       <p:sp>
         <p:nvSpPr>
-          <p:cNvPr id="2" name="Title 1"/>
+          <p:cNvPr id="2" name="Title 1">
+            <a:extLst>
+              <a:ext uri="{FF2B5EF4-FFF2-40B4-BE49-F238E27FC236}">
+                <a16:creationId xmlns:a16="http://schemas.microsoft.com/office/drawing/2014/main" id="{28A7A2E6-6093-4C7C-B040-3EAEE619BE43}"/>
+              </a:ext>
+            </a:extLst>
+          </p:cNvPr>
           <p:cNvSpPr>
             <a:spLocks noGrp="1"/>
           </p:cNvSpPr>
@@ -2218,12 +1956,19 @@
               <a:rPr lang="en-US"/>
               <a:t>Click to edit Master title style</a:t>
             </a:r>
-          </a:p>
-        </p:txBody>
-      </p:sp>
-      <p:sp>
-        <p:nvSpPr>
-          <p:cNvPr id="3" name="Date Placeholder 2"/>
+            <a:endParaRPr lang="en-SG"/>
+          </a:p>
+        </p:txBody>
+      </p:sp>
+      <p:sp>
+        <p:nvSpPr>
+          <p:cNvPr id="3" name="Date Placeholder 2">
+            <a:extLst>
+              <a:ext uri="{FF2B5EF4-FFF2-40B4-BE49-F238E27FC236}">
+                <a16:creationId xmlns:a16="http://schemas.microsoft.com/office/drawing/2014/main" id="{D138FA1D-2054-46E8-9834-A078EC123C4B}"/>
+              </a:ext>
+            </a:extLst>
+          </p:cNvPr>
           <p:cNvSpPr>
             <a:spLocks noGrp="1"/>
           </p:cNvSpPr>
@@ -2236,17 +1981,23 @@
           <a:bodyPr/>
           <a:lstStyle/>
           <a:p>
-            <a:fld id="{78C97017-6FC3-485B-9764-EAC9E56C1D49}" type="datetimeFigureOut">
-              <a:rPr lang="en-US" smtClean="0"/>
-              <a:t>7/20/17</a:t>
+            <a:fld id="{62BF26E8-16C2-416C-B1D6-5F9649E75422}" type="datetimeFigureOut">
+              <a:rPr lang="en-SG" smtClean="0"/>
+              <a:t>14/4/2018</a:t>
             </a:fld>
-            <a:endParaRPr lang="en-US"/>
-          </a:p>
-        </p:txBody>
-      </p:sp>
-      <p:sp>
-        <p:nvSpPr>
-          <p:cNvPr id="4" name="Footer Placeholder 3"/>
+            <a:endParaRPr lang="en-SG"/>
+          </a:p>
+        </p:txBody>
+      </p:sp>
+      <p:sp>
+        <p:nvSpPr>
+          <p:cNvPr id="4" name="Footer Placeholder 3">
+            <a:extLst>
+              <a:ext uri="{FF2B5EF4-FFF2-40B4-BE49-F238E27FC236}">
+                <a16:creationId xmlns:a16="http://schemas.microsoft.com/office/drawing/2014/main" id="{95F37401-8AE3-4C8F-9663-ABA6E4C8BF9F}"/>
+              </a:ext>
+            </a:extLst>
+          </p:cNvPr>
           <p:cNvSpPr>
             <a:spLocks noGrp="1"/>
           </p:cNvSpPr>
@@ -2259,13 +2010,19 @@
           <a:bodyPr/>
           <a:lstStyle/>
           <a:p>
-            <a:endParaRPr lang="en-US"/>
-          </a:p>
-        </p:txBody>
-      </p:sp>
-      <p:sp>
-        <p:nvSpPr>
-          <p:cNvPr id="5" name="Slide Number Placeholder 4"/>
+            <a:endParaRPr lang="en-SG"/>
+          </a:p>
+        </p:txBody>
+      </p:sp>
+      <p:sp>
+        <p:nvSpPr>
+          <p:cNvPr id="5" name="Slide Number Placeholder 4">
+            <a:extLst>
+              <a:ext uri="{FF2B5EF4-FFF2-40B4-BE49-F238E27FC236}">
+                <a16:creationId xmlns:a16="http://schemas.microsoft.com/office/drawing/2014/main" id="{364FB9D9-6724-4CF6-841A-6124D3353F80}"/>
+              </a:ext>
+            </a:extLst>
+          </p:cNvPr>
           <p:cNvSpPr>
             <a:spLocks noGrp="1"/>
           </p:cNvSpPr>
@@ -2278,18 +2035,18 @@
           <a:bodyPr/>
           <a:lstStyle/>
           <a:p>
-            <a:fld id="{FB34683C-161B-4520-BF45-B179E228CF2A}" type="slidenum">
-              <a:rPr lang="en-US" smtClean="0"/>
+            <a:fld id="{B73D482A-22D0-40AA-8A00-C68C27114349}" type="slidenum">
+              <a:rPr lang="en-SG" smtClean="0"/>
               <a:t>‹#›</a:t>
             </a:fld>
-            <a:endParaRPr lang="en-US"/>
+            <a:endParaRPr lang="en-SG"/>
           </a:p>
         </p:txBody>
       </p:sp>
     </p:spTree>
     <p:extLst>
       <p:ext uri="{BB962C8B-B14F-4D97-AF65-F5344CB8AC3E}">
-        <p14:creationId xmlns:p14="http://schemas.microsoft.com/office/powerpoint/2010/main" val="4159724230"/>
+        <p14:creationId xmlns:p14="http://schemas.microsoft.com/office/powerpoint/2010/main" val="1578282968"/>
       </p:ext>
     </p:extLst>
   </p:cSld>
@@ -2318,7 +2075,13 @@
       </p:grpSpPr>
       <p:sp>
         <p:nvSpPr>
-          <p:cNvPr id="2" name="Date Placeholder 1"/>
+          <p:cNvPr id="2" name="Date Placeholder 1">
+            <a:extLst>
+              <a:ext uri="{FF2B5EF4-FFF2-40B4-BE49-F238E27FC236}">
+                <a16:creationId xmlns:a16="http://schemas.microsoft.com/office/drawing/2014/main" id="{DAB5D0E7-7A97-4038-8712-0622F4E55521}"/>
+              </a:ext>
+            </a:extLst>
+          </p:cNvPr>
           <p:cNvSpPr>
             <a:spLocks noGrp="1"/>
           </p:cNvSpPr>
@@ -2331,17 +2094,23 @@
           <a:bodyPr/>
           <a:lstStyle/>
           <a:p>
-            <a:fld id="{78C97017-6FC3-485B-9764-EAC9E56C1D49}" type="datetimeFigureOut">
-              <a:rPr lang="en-US" smtClean="0"/>
-              <a:t>7/20/17</a:t>
+            <a:fld id="{62BF26E8-16C2-416C-B1D6-5F9649E75422}" type="datetimeFigureOut">
+              <a:rPr lang="en-SG" smtClean="0"/>
+              <a:t>14/4/2018</a:t>
             </a:fld>
-            <a:endParaRPr lang="en-US"/>
-          </a:p>
-        </p:txBody>
-      </p:sp>
-      <p:sp>
-        <p:nvSpPr>
-          <p:cNvPr id="3" name="Footer Placeholder 2"/>
+            <a:endParaRPr lang="en-SG"/>
+          </a:p>
+        </p:txBody>
+      </p:sp>
+      <p:sp>
+        <p:nvSpPr>
+          <p:cNvPr id="3" name="Footer Placeholder 2">
+            <a:extLst>
+              <a:ext uri="{FF2B5EF4-FFF2-40B4-BE49-F238E27FC236}">
+                <a16:creationId xmlns:a16="http://schemas.microsoft.com/office/drawing/2014/main" id="{4D817FD5-6A08-4C28-BA0B-9E7F17AFAA7A}"/>
+              </a:ext>
+            </a:extLst>
+          </p:cNvPr>
           <p:cNvSpPr>
             <a:spLocks noGrp="1"/>
           </p:cNvSpPr>
@@ -2354,13 +2123,19 @@
           <a:bodyPr/>
           <a:lstStyle/>
           <a:p>
-            <a:endParaRPr lang="en-US"/>
-          </a:p>
-        </p:txBody>
-      </p:sp>
-      <p:sp>
-        <p:nvSpPr>
-          <p:cNvPr id="4" name="Slide Number Placeholder 3"/>
+            <a:endParaRPr lang="en-SG"/>
+          </a:p>
+        </p:txBody>
+      </p:sp>
+      <p:sp>
+        <p:nvSpPr>
+          <p:cNvPr id="4" name="Slide Number Placeholder 3">
+            <a:extLst>
+              <a:ext uri="{FF2B5EF4-FFF2-40B4-BE49-F238E27FC236}">
+                <a16:creationId xmlns:a16="http://schemas.microsoft.com/office/drawing/2014/main" id="{DB52CFD4-6E30-4A6E-B26A-9D171577C5E2}"/>
+              </a:ext>
+            </a:extLst>
+          </p:cNvPr>
           <p:cNvSpPr>
             <a:spLocks noGrp="1"/>
           </p:cNvSpPr>
@@ -2373,18 +2148,18 @@
           <a:bodyPr/>
           <a:lstStyle/>
           <a:p>
-            <a:fld id="{FB34683C-161B-4520-BF45-B179E228CF2A}" type="slidenum">
-              <a:rPr lang="en-US" smtClean="0"/>
+            <a:fld id="{B73D482A-22D0-40AA-8A00-C68C27114349}" type="slidenum">
+              <a:rPr lang="en-SG" smtClean="0"/>
               <a:t>‹#›</a:t>
             </a:fld>
-            <a:endParaRPr lang="en-US"/>
+            <a:endParaRPr lang="en-SG"/>
           </a:p>
         </p:txBody>
       </p:sp>
     </p:spTree>
     <p:extLst>
       <p:ext uri="{BB962C8B-B14F-4D97-AF65-F5344CB8AC3E}">
-        <p14:creationId xmlns:p14="http://schemas.microsoft.com/office/powerpoint/2010/main" val="1793928710"/>
+        <p14:creationId xmlns:p14="http://schemas.microsoft.com/office/powerpoint/2010/main" val="563318688"/>
       </p:ext>
     </p:extLst>
   </p:cSld>
@@ -2413,7 +2188,13 @@
       </p:grpSpPr>
       <p:sp>
         <p:nvSpPr>
-          <p:cNvPr id="2" name="Title 1"/>
+          <p:cNvPr id="2" name="Title 1">
+            <a:extLst>
+              <a:ext uri="{FF2B5EF4-FFF2-40B4-BE49-F238E27FC236}">
+                <a16:creationId xmlns:a16="http://schemas.microsoft.com/office/drawing/2014/main" id="{D1FA9847-42BA-4D65-92C2-353CEE024A94}"/>
+              </a:ext>
+            </a:extLst>
+          </p:cNvPr>
           <p:cNvSpPr>
             <a:spLocks noGrp="1"/>
           </p:cNvSpPr>
@@ -2423,15 +2204,15 @@
         </p:nvSpPr>
         <p:spPr>
           <a:xfrm>
-            <a:off x="457200" y="273050"/>
-            <a:ext cx="3008313" cy="1162050"/>
+            <a:off x="839788" y="457200"/>
+            <a:ext cx="3932237" cy="1600200"/>
           </a:xfrm>
         </p:spPr>
         <p:txBody>
           <a:bodyPr anchor="b"/>
           <a:lstStyle>
-            <a:lvl1pPr algn="l">
-              <a:defRPr sz="2000" b="1"/>
+            <a:lvl1pPr>
+              <a:defRPr sz="3200"/>
             </a:lvl1pPr>
           </a:lstStyle>
           <a:p>
@@ -2439,12 +2220,19 @@
               <a:rPr lang="en-US"/>
               <a:t>Click to edit Master title style</a:t>
             </a:r>
-          </a:p>
-        </p:txBody>
-      </p:sp>
-      <p:sp>
-        <p:nvSpPr>
-          <p:cNvPr id="3" name="Content Placeholder 2"/>
+            <a:endParaRPr lang="en-SG"/>
+          </a:p>
+        </p:txBody>
+      </p:sp>
+      <p:sp>
+        <p:nvSpPr>
+          <p:cNvPr id="3" name="Content Placeholder 2">
+            <a:extLst>
+              <a:ext uri="{FF2B5EF4-FFF2-40B4-BE49-F238E27FC236}">
+                <a16:creationId xmlns:a16="http://schemas.microsoft.com/office/drawing/2014/main" id="{230C492B-A39F-4D15-A953-67049F0A7EB1}"/>
+              </a:ext>
+            </a:extLst>
+          </p:cNvPr>
           <p:cNvSpPr>
             <a:spLocks noGrp="1"/>
           </p:cNvSpPr>
@@ -2454,8 +2242,8 @@
         </p:nvSpPr>
         <p:spPr>
           <a:xfrm>
-            <a:off x="3575050" y="273050"/>
-            <a:ext cx="5111750" cy="5853113"/>
+            <a:off x="5183188" y="987425"/>
+            <a:ext cx="6172200" cy="4873625"/>
           </a:xfrm>
         </p:spPr>
         <p:txBody>
@@ -2493,7 +2281,7 @@
             <a:pPr lvl="0"/>
             <a:r>
               <a:rPr lang="en-US"/>
-              <a:t>Click to edit Master text styles</a:t>
+              <a:t>Edit Master text styles</a:t>
             </a:r>
           </a:p>
           <a:p>
@@ -2523,12 +2311,19 @@
               <a:rPr lang="en-US"/>
               <a:t>Fifth level</a:t>
             </a:r>
-          </a:p>
-        </p:txBody>
-      </p:sp>
-      <p:sp>
-        <p:nvSpPr>
-          <p:cNvPr id="4" name="Text Placeholder 3"/>
+            <a:endParaRPr lang="en-SG"/>
+          </a:p>
+        </p:txBody>
+      </p:sp>
+      <p:sp>
+        <p:nvSpPr>
+          <p:cNvPr id="4" name="Text Placeholder 3">
+            <a:extLst>
+              <a:ext uri="{FF2B5EF4-FFF2-40B4-BE49-F238E27FC236}">
+                <a16:creationId xmlns:a16="http://schemas.microsoft.com/office/drawing/2014/main" id="{753C17FA-71B0-42D5-ABD0-623C0A56091A}"/>
+              </a:ext>
+            </a:extLst>
+          </p:cNvPr>
           <p:cNvSpPr>
             <a:spLocks noGrp="1"/>
           </p:cNvSpPr>
@@ -2538,8 +2333,8 @@
         </p:nvSpPr>
         <p:spPr>
           <a:xfrm>
-            <a:off x="457200" y="1435100"/>
-            <a:ext cx="3008313" cy="4691063"/>
+            <a:off x="839788" y="2057400"/>
+            <a:ext cx="3932237" cy="3811588"/>
           </a:xfrm>
         </p:spPr>
         <p:txBody>
@@ -2547,53 +2342,59 @@
           <a:lstStyle>
             <a:lvl1pPr marL="0" indent="0">
               <a:buNone/>
-              <a:defRPr sz="1400"/>
+              <a:defRPr sz="1600"/>
             </a:lvl1pPr>
             <a:lvl2pPr marL="457200" indent="0">
               <a:buNone/>
-              <a:defRPr sz="1200"/>
+              <a:defRPr sz="1400"/>
             </a:lvl2pPr>
             <a:lvl3pPr marL="914400" indent="0">
               <a:buNone/>
-              <a:defRPr sz="1000"/>
+              <a:defRPr sz="1200"/>
             </a:lvl3pPr>
             <a:lvl4pPr marL="1371600" indent="0">
               <a:buNone/>
-              <a:defRPr sz="900"/>
+              <a:defRPr sz="1000"/>
             </a:lvl4pPr>
             <a:lvl5pPr marL="1828800" indent="0">
               <a:buNone/>
-              <a:defRPr sz="900"/>
+              <a:defRPr sz="1000"/>
             </a:lvl5pPr>
             <a:lvl6pPr marL="2286000" indent="0">
               <a:buNone/>
-              <a:defRPr sz="900"/>
+              <a:defRPr sz="1000"/>
             </a:lvl6pPr>
             <a:lvl7pPr marL="2743200" indent="0">
               <a:buNone/>
-              <a:defRPr sz="900"/>
+              <a:defRPr sz="1000"/>
             </a:lvl7pPr>
             <a:lvl8pPr marL="3200400" indent="0">
               <a:buNone/>
-              <a:defRPr sz="900"/>
+              <a:defRPr sz="1000"/>
             </a:lvl8pPr>
             <a:lvl9pPr marL="3657600" indent="0">
               <a:buNone/>
-              <a:defRPr sz="900"/>
+              <a:defRPr sz="1000"/>
             </a:lvl9pPr>
           </a:lstStyle>
           <a:p>
             <a:pPr lvl="0"/>
             <a:r>
               <a:rPr lang="en-US"/>
-              <a:t>Click to edit Master text styles</a:t>
-            </a:r>
-          </a:p>
-        </p:txBody>
-      </p:sp>
-      <p:sp>
-        <p:nvSpPr>
-          <p:cNvPr id="5" name="Date Placeholder 4"/>
+              <a:t>Edit Master text styles</a:t>
+            </a:r>
+          </a:p>
+        </p:txBody>
+      </p:sp>
+      <p:sp>
+        <p:nvSpPr>
+          <p:cNvPr id="5" name="Date Placeholder 4">
+            <a:extLst>
+              <a:ext uri="{FF2B5EF4-FFF2-40B4-BE49-F238E27FC236}">
+                <a16:creationId xmlns:a16="http://schemas.microsoft.com/office/drawing/2014/main" id="{26CA0CCD-3BDF-41C6-BC37-613CD5435408}"/>
+              </a:ext>
+            </a:extLst>
+          </p:cNvPr>
           <p:cNvSpPr>
             <a:spLocks noGrp="1"/>
           </p:cNvSpPr>
@@ -2606,17 +2407,23 @@
           <a:bodyPr/>
           <a:lstStyle/>
           <a:p>
-            <a:fld id="{78C97017-6FC3-485B-9764-EAC9E56C1D49}" type="datetimeFigureOut">
-              <a:rPr lang="en-US" smtClean="0"/>
-              <a:t>7/20/17</a:t>
+            <a:fld id="{62BF26E8-16C2-416C-B1D6-5F9649E75422}" type="datetimeFigureOut">
+              <a:rPr lang="en-SG" smtClean="0"/>
+              <a:t>14/4/2018</a:t>
             </a:fld>
-            <a:endParaRPr lang="en-US"/>
-          </a:p>
-        </p:txBody>
-      </p:sp>
-      <p:sp>
-        <p:nvSpPr>
-          <p:cNvPr id="6" name="Footer Placeholder 5"/>
+            <a:endParaRPr lang="en-SG"/>
+          </a:p>
+        </p:txBody>
+      </p:sp>
+      <p:sp>
+        <p:nvSpPr>
+          <p:cNvPr id="6" name="Footer Placeholder 5">
+            <a:extLst>
+              <a:ext uri="{FF2B5EF4-FFF2-40B4-BE49-F238E27FC236}">
+                <a16:creationId xmlns:a16="http://schemas.microsoft.com/office/drawing/2014/main" id="{5904A92D-45E5-462A-B179-1332ADB5C38C}"/>
+              </a:ext>
+            </a:extLst>
+          </p:cNvPr>
           <p:cNvSpPr>
             <a:spLocks noGrp="1"/>
           </p:cNvSpPr>
@@ -2629,13 +2436,19 @@
           <a:bodyPr/>
           <a:lstStyle/>
           <a:p>
-            <a:endParaRPr lang="en-US"/>
-          </a:p>
-        </p:txBody>
-      </p:sp>
-      <p:sp>
-        <p:nvSpPr>
-          <p:cNvPr id="7" name="Slide Number Placeholder 6"/>
+            <a:endParaRPr lang="en-SG"/>
+          </a:p>
+        </p:txBody>
+      </p:sp>
+      <p:sp>
+        <p:nvSpPr>
+          <p:cNvPr id="7" name="Slide Number Placeholder 6">
+            <a:extLst>
+              <a:ext uri="{FF2B5EF4-FFF2-40B4-BE49-F238E27FC236}">
+                <a16:creationId xmlns:a16="http://schemas.microsoft.com/office/drawing/2014/main" id="{8724FF94-7BE2-4CF2-8AFF-A461F61F6D6C}"/>
+              </a:ext>
+            </a:extLst>
+          </p:cNvPr>
           <p:cNvSpPr>
             <a:spLocks noGrp="1"/>
           </p:cNvSpPr>
@@ -2648,18 +2461,18 @@
           <a:bodyPr/>
           <a:lstStyle/>
           <a:p>
-            <a:fld id="{FB34683C-161B-4520-BF45-B179E228CF2A}" type="slidenum">
-              <a:rPr lang="en-US" smtClean="0"/>
+            <a:fld id="{B73D482A-22D0-40AA-8A00-C68C27114349}" type="slidenum">
+              <a:rPr lang="en-SG" smtClean="0"/>
               <a:t>‹#›</a:t>
             </a:fld>
-            <a:endParaRPr lang="en-US"/>
+            <a:endParaRPr lang="en-SG"/>
           </a:p>
         </p:txBody>
       </p:sp>
     </p:spTree>
     <p:extLst>
       <p:ext uri="{BB962C8B-B14F-4D97-AF65-F5344CB8AC3E}">
-        <p14:creationId xmlns:p14="http://schemas.microsoft.com/office/powerpoint/2010/main" val="2076802089"/>
+        <p14:creationId xmlns:p14="http://schemas.microsoft.com/office/powerpoint/2010/main" val="1665121607"/>
       </p:ext>
     </p:extLst>
   </p:cSld>
@@ -2688,7 +2501,13 @@
       </p:grpSpPr>
       <p:sp>
         <p:nvSpPr>
-          <p:cNvPr id="2" name="Title 1"/>
+          <p:cNvPr id="2" name="Title 1">
+            <a:extLst>
+              <a:ext uri="{FF2B5EF4-FFF2-40B4-BE49-F238E27FC236}">
+                <a16:creationId xmlns:a16="http://schemas.microsoft.com/office/drawing/2014/main" id="{56FD0686-2F72-4851-83A9-AE23B274823E}"/>
+              </a:ext>
+            </a:extLst>
+          </p:cNvPr>
           <p:cNvSpPr>
             <a:spLocks noGrp="1"/>
           </p:cNvSpPr>
@@ -2698,15 +2517,15 @@
         </p:nvSpPr>
         <p:spPr>
           <a:xfrm>
-            <a:off x="1792288" y="4800600"/>
-            <a:ext cx="5486400" cy="566738"/>
+            <a:off x="839788" y="457200"/>
+            <a:ext cx="3932237" cy="1600200"/>
           </a:xfrm>
         </p:spPr>
         <p:txBody>
           <a:bodyPr anchor="b"/>
           <a:lstStyle>
-            <a:lvl1pPr algn="l">
-              <a:defRPr sz="2000" b="1"/>
+            <a:lvl1pPr>
+              <a:defRPr sz="3200"/>
             </a:lvl1pPr>
           </a:lstStyle>
           <a:p>
@@ -2714,12 +2533,19 @@
               <a:rPr lang="en-US"/>
               <a:t>Click to edit Master title style</a:t>
             </a:r>
-          </a:p>
-        </p:txBody>
-      </p:sp>
-      <p:sp>
-        <p:nvSpPr>
-          <p:cNvPr id="3" name="Picture Placeholder 2"/>
+            <a:endParaRPr lang="en-SG"/>
+          </a:p>
+        </p:txBody>
+      </p:sp>
+      <p:sp>
+        <p:nvSpPr>
+          <p:cNvPr id="3" name="Picture Placeholder 2">
+            <a:extLst>
+              <a:ext uri="{FF2B5EF4-FFF2-40B4-BE49-F238E27FC236}">
+                <a16:creationId xmlns:a16="http://schemas.microsoft.com/office/drawing/2014/main" id="{55EDD57C-4C90-45D6-AD53-1299A612E5B1}"/>
+              </a:ext>
+            </a:extLst>
+          </p:cNvPr>
           <p:cNvSpPr>
             <a:spLocks noGrp="1"/>
           </p:cNvSpPr>
@@ -2729,8 +2555,8 @@
         </p:nvSpPr>
         <p:spPr>
           <a:xfrm>
-            <a:off x="1792288" y="612775"/>
-            <a:ext cx="5486400" cy="4114800"/>
+            <a:off x="5183188" y="987425"/>
+            <a:ext cx="6172200" cy="4873625"/>
           </a:xfrm>
         </p:spPr>
         <p:txBody>
@@ -2774,13 +2600,19 @@
             </a:lvl9pPr>
           </a:lstStyle>
           <a:p>
-            <a:endParaRPr lang="en-US"/>
-          </a:p>
-        </p:txBody>
-      </p:sp>
-      <p:sp>
-        <p:nvSpPr>
-          <p:cNvPr id="4" name="Text Placeholder 3"/>
+            <a:endParaRPr lang="en-SG"/>
+          </a:p>
+        </p:txBody>
+      </p:sp>
+      <p:sp>
+        <p:nvSpPr>
+          <p:cNvPr id="4" name="Text Placeholder 3">
+            <a:extLst>
+              <a:ext uri="{FF2B5EF4-FFF2-40B4-BE49-F238E27FC236}">
+                <a16:creationId xmlns:a16="http://schemas.microsoft.com/office/drawing/2014/main" id="{33138D06-FE2C-4A35-9410-8D8D37574079}"/>
+              </a:ext>
+            </a:extLst>
+          </p:cNvPr>
           <p:cNvSpPr>
             <a:spLocks noGrp="1"/>
           </p:cNvSpPr>
@@ -2790,8 +2622,8 @@
         </p:nvSpPr>
         <p:spPr>
           <a:xfrm>
-            <a:off x="1792288" y="5367338"/>
-            <a:ext cx="5486400" cy="804862"/>
+            <a:off x="839788" y="2057400"/>
+            <a:ext cx="3932237" cy="3811588"/>
           </a:xfrm>
         </p:spPr>
         <p:txBody>
@@ -2799,53 +2631,59 @@
           <a:lstStyle>
             <a:lvl1pPr marL="0" indent="0">
               <a:buNone/>
-              <a:defRPr sz="1400"/>
+              <a:defRPr sz="1600"/>
             </a:lvl1pPr>
             <a:lvl2pPr marL="457200" indent="0">
               <a:buNone/>
-              <a:defRPr sz="1200"/>
+              <a:defRPr sz="1400"/>
             </a:lvl2pPr>
             <a:lvl3pPr marL="914400" indent="0">
               <a:buNone/>
-              <a:defRPr sz="1000"/>
+              <a:defRPr sz="1200"/>
             </a:lvl3pPr>
             <a:lvl4pPr marL="1371600" indent="0">
               <a:buNone/>
-              <a:defRPr sz="900"/>
+              <a:defRPr sz="1000"/>
             </a:lvl4pPr>
             <a:lvl5pPr marL="1828800" indent="0">
               <a:buNone/>
-              <a:defRPr sz="900"/>
+              <a:defRPr sz="1000"/>
             </a:lvl5pPr>
             <a:lvl6pPr marL="2286000" indent="0">
               <a:buNone/>
-              <a:defRPr sz="900"/>
+              <a:defRPr sz="1000"/>
             </a:lvl6pPr>
             <a:lvl7pPr marL="2743200" indent="0">
               <a:buNone/>
-              <a:defRPr sz="900"/>
+              <a:defRPr sz="1000"/>
             </a:lvl7pPr>
             <a:lvl8pPr marL="3200400" indent="0">
               <a:buNone/>
-              <a:defRPr sz="900"/>
+              <a:defRPr sz="1000"/>
             </a:lvl8pPr>
             <a:lvl9pPr marL="3657600" indent="0">
               <a:buNone/>
-              <a:defRPr sz="900"/>
+              <a:defRPr sz="1000"/>
             </a:lvl9pPr>
           </a:lstStyle>
           <a:p>
             <a:pPr lvl="0"/>
             <a:r>
               <a:rPr lang="en-US"/>
-              <a:t>Click to edit Master text styles</a:t>
-            </a:r>
-          </a:p>
-        </p:txBody>
-      </p:sp>
-      <p:sp>
-        <p:nvSpPr>
-          <p:cNvPr id="5" name="Date Placeholder 4"/>
+              <a:t>Edit Master text styles</a:t>
+            </a:r>
+          </a:p>
+        </p:txBody>
+      </p:sp>
+      <p:sp>
+        <p:nvSpPr>
+          <p:cNvPr id="5" name="Date Placeholder 4">
+            <a:extLst>
+              <a:ext uri="{FF2B5EF4-FFF2-40B4-BE49-F238E27FC236}">
+                <a16:creationId xmlns:a16="http://schemas.microsoft.com/office/drawing/2014/main" id="{21FF0EC9-C935-4517-BA0F-CED7AB39524D}"/>
+              </a:ext>
+            </a:extLst>
+          </p:cNvPr>
           <p:cNvSpPr>
             <a:spLocks noGrp="1"/>
           </p:cNvSpPr>
@@ -2858,17 +2696,23 @@
           <a:bodyPr/>
           <a:lstStyle/>
           <a:p>
-            <a:fld id="{78C97017-6FC3-485B-9764-EAC9E56C1D49}" type="datetimeFigureOut">
-              <a:rPr lang="en-US" smtClean="0"/>
-              <a:t>7/20/17</a:t>
+            <a:fld id="{62BF26E8-16C2-416C-B1D6-5F9649E75422}" type="datetimeFigureOut">
+              <a:rPr lang="en-SG" smtClean="0"/>
+              <a:t>14/4/2018</a:t>
             </a:fld>
-            <a:endParaRPr lang="en-US"/>
-          </a:p>
-        </p:txBody>
-      </p:sp>
-      <p:sp>
-        <p:nvSpPr>
-          <p:cNvPr id="6" name="Footer Placeholder 5"/>
+            <a:endParaRPr lang="en-SG"/>
+          </a:p>
+        </p:txBody>
+      </p:sp>
+      <p:sp>
+        <p:nvSpPr>
+          <p:cNvPr id="6" name="Footer Placeholder 5">
+            <a:extLst>
+              <a:ext uri="{FF2B5EF4-FFF2-40B4-BE49-F238E27FC236}">
+                <a16:creationId xmlns:a16="http://schemas.microsoft.com/office/drawing/2014/main" id="{4BED4522-F138-4851-BA80-A81D5188F16F}"/>
+              </a:ext>
+            </a:extLst>
+          </p:cNvPr>
           <p:cNvSpPr>
             <a:spLocks noGrp="1"/>
           </p:cNvSpPr>
@@ -2881,13 +2725,19 @@
           <a:bodyPr/>
           <a:lstStyle/>
           <a:p>
-            <a:endParaRPr lang="en-US"/>
-          </a:p>
-        </p:txBody>
-      </p:sp>
-      <p:sp>
-        <p:nvSpPr>
-          <p:cNvPr id="7" name="Slide Number Placeholder 6"/>
+            <a:endParaRPr lang="en-SG"/>
+          </a:p>
+        </p:txBody>
+      </p:sp>
+      <p:sp>
+        <p:nvSpPr>
+          <p:cNvPr id="7" name="Slide Number Placeholder 6">
+            <a:extLst>
+              <a:ext uri="{FF2B5EF4-FFF2-40B4-BE49-F238E27FC236}">
+                <a16:creationId xmlns:a16="http://schemas.microsoft.com/office/drawing/2014/main" id="{D08FA0FC-6B21-4F9E-AF98-809544CB2318}"/>
+              </a:ext>
+            </a:extLst>
+          </p:cNvPr>
           <p:cNvSpPr>
             <a:spLocks noGrp="1"/>
           </p:cNvSpPr>
@@ -2900,18 +2750,18 @@
           <a:bodyPr/>
           <a:lstStyle/>
           <a:p>
-            <a:fld id="{FB34683C-161B-4520-BF45-B179E228CF2A}" type="slidenum">
-              <a:rPr lang="en-US" smtClean="0"/>
+            <a:fld id="{B73D482A-22D0-40AA-8A00-C68C27114349}" type="slidenum">
+              <a:rPr lang="en-SG" smtClean="0"/>
               <a:t>‹#›</a:t>
             </a:fld>
-            <a:endParaRPr lang="en-US"/>
+            <a:endParaRPr lang="en-SG"/>
           </a:p>
         </p:txBody>
       </p:sp>
     </p:spTree>
     <p:extLst>
       <p:ext uri="{BB962C8B-B14F-4D97-AF65-F5344CB8AC3E}">
-        <p14:creationId xmlns:p14="http://schemas.microsoft.com/office/powerpoint/2010/main" val="201835938"/>
+        <p14:creationId xmlns:p14="http://schemas.microsoft.com/office/powerpoint/2010/main" val="2345271720"/>
       </p:ext>
     </p:extLst>
   </p:cSld>
@@ -2945,7 +2795,13 @@
       </p:grpSpPr>
       <p:sp>
         <p:nvSpPr>
-          <p:cNvPr id="2" name="Title Placeholder 1"/>
+          <p:cNvPr id="2" name="Title Placeholder 1">
+            <a:extLst>
+              <a:ext uri="{FF2B5EF4-FFF2-40B4-BE49-F238E27FC236}">
+                <a16:creationId xmlns:a16="http://schemas.microsoft.com/office/drawing/2014/main" id="{A1D4B866-6362-4C51-89BE-2B7FC2E28586}"/>
+              </a:ext>
+            </a:extLst>
+          </p:cNvPr>
           <p:cNvSpPr>
             <a:spLocks noGrp="1"/>
           </p:cNvSpPr>
@@ -2955,8 +2811,8 @@
         </p:nvSpPr>
         <p:spPr>
           <a:xfrm>
-            <a:off x="457200" y="274638"/>
-            <a:ext cx="8229600" cy="1143000"/>
+            <a:off x="838200" y="365125"/>
+            <a:ext cx="10515600" cy="1325563"/>
           </a:xfrm>
           <a:prstGeom prst="rect">
             <a:avLst/>
@@ -2972,12 +2828,19 @@
               <a:rPr lang="en-US"/>
               <a:t>Click to edit Master title style</a:t>
             </a:r>
-          </a:p>
-        </p:txBody>
-      </p:sp>
-      <p:sp>
-        <p:nvSpPr>
-          <p:cNvPr id="3" name="Text Placeholder 2"/>
+            <a:endParaRPr lang="en-SG"/>
+          </a:p>
+        </p:txBody>
+      </p:sp>
+      <p:sp>
+        <p:nvSpPr>
+          <p:cNvPr id="3" name="Text Placeholder 2">
+            <a:extLst>
+              <a:ext uri="{FF2B5EF4-FFF2-40B4-BE49-F238E27FC236}">
+                <a16:creationId xmlns:a16="http://schemas.microsoft.com/office/drawing/2014/main" id="{DD5ACC26-23FB-4245-B559-633A2FFB3E98}"/>
+              </a:ext>
+            </a:extLst>
+          </p:cNvPr>
           <p:cNvSpPr>
             <a:spLocks noGrp="1"/>
           </p:cNvSpPr>
@@ -2987,8 +2850,8 @@
         </p:nvSpPr>
         <p:spPr>
           <a:xfrm>
-            <a:off x="457200" y="1600200"/>
-            <a:ext cx="8229600" cy="4525963"/>
+            <a:off x="838200" y="1825625"/>
+            <a:ext cx="10515600" cy="4351338"/>
           </a:xfrm>
           <a:prstGeom prst="rect">
             <a:avLst/>
@@ -3003,7 +2866,7 @@
             <a:pPr lvl="0"/>
             <a:r>
               <a:rPr lang="en-US"/>
-              <a:t>Click to edit Master text styles</a:t>
+              <a:t>Edit Master text styles</a:t>
             </a:r>
           </a:p>
           <a:p>
@@ -3033,12 +2896,19 @@
               <a:rPr lang="en-US"/>
               <a:t>Fifth level</a:t>
             </a:r>
-          </a:p>
-        </p:txBody>
-      </p:sp>
-      <p:sp>
-        <p:nvSpPr>
-          <p:cNvPr id="4" name="Date Placeholder 3"/>
+            <a:endParaRPr lang="en-SG"/>
+          </a:p>
+        </p:txBody>
+      </p:sp>
+      <p:sp>
+        <p:nvSpPr>
+          <p:cNvPr id="4" name="Date Placeholder 3">
+            <a:extLst>
+              <a:ext uri="{FF2B5EF4-FFF2-40B4-BE49-F238E27FC236}">
+                <a16:creationId xmlns:a16="http://schemas.microsoft.com/office/drawing/2014/main" id="{F0CF76E5-626E-4E92-8A92-717BDD634B33}"/>
+              </a:ext>
+            </a:extLst>
+          </p:cNvPr>
           <p:cNvSpPr>
             <a:spLocks noGrp="1"/>
           </p:cNvSpPr>
@@ -3048,8 +2918,8 @@
         </p:nvSpPr>
         <p:spPr>
           <a:xfrm>
-            <a:off x="457200" y="6356350"/>
-            <a:ext cx="2133600" cy="365125"/>
+            <a:off x="838200" y="6356350"/>
+            <a:ext cx="2743200" cy="365125"/>
           </a:xfrm>
           <a:prstGeom prst="rect">
             <a:avLst/>
@@ -3069,17 +2939,23 @@
             </a:lvl1pPr>
           </a:lstStyle>
           <a:p>
-            <a:fld id="{78C97017-6FC3-485B-9764-EAC9E56C1D49}" type="datetimeFigureOut">
-              <a:rPr lang="en-US" smtClean="0"/>
-              <a:t>7/20/17</a:t>
+            <a:fld id="{62BF26E8-16C2-416C-B1D6-5F9649E75422}" type="datetimeFigureOut">
+              <a:rPr lang="en-SG" smtClean="0"/>
+              <a:t>14/4/2018</a:t>
             </a:fld>
-            <a:endParaRPr lang="en-US"/>
-          </a:p>
-        </p:txBody>
-      </p:sp>
-      <p:sp>
-        <p:nvSpPr>
-          <p:cNvPr id="5" name="Footer Placeholder 4"/>
+            <a:endParaRPr lang="en-SG"/>
+          </a:p>
+        </p:txBody>
+      </p:sp>
+      <p:sp>
+        <p:nvSpPr>
+          <p:cNvPr id="5" name="Footer Placeholder 4">
+            <a:extLst>
+              <a:ext uri="{FF2B5EF4-FFF2-40B4-BE49-F238E27FC236}">
+                <a16:creationId xmlns:a16="http://schemas.microsoft.com/office/drawing/2014/main" id="{38A7261A-2C6C-4815-B67E-B26B0F8BDC8D}"/>
+              </a:ext>
+            </a:extLst>
+          </p:cNvPr>
           <p:cNvSpPr>
             <a:spLocks noGrp="1"/>
           </p:cNvSpPr>
@@ -3089,8 +2965,8 @@
         </p:nvSpPr>
         <p:spPr>
           <a:xfrm>
-            <a:off x="3124200" y="6356350"/>
-            <a:ext cx="2895600" cy="365125"/>
+            <a:off x="4038600" y="6356350"/>
+            <a:ext cx="4114800" cy="365125"/>
           </a:xfrm>
           <a:prstGeom prst="rect">
             <a:avLst/>
@@ -3110,13 +2986,19 @@
             </a:lvl1pPr>
           </a:lstStyle>
           <a:p>
-            <a:endParaRPr lang="en-US"/>
-          </a:p>
-        </p:txBody>
-      </p:sp>
-      <p:sp>
-        <p:nvSpPr>
-          <p:cNvPr id="6" name="Slide Number Placeholder 5"/>
+            <a:endParaRPr lang="en-SG"/>
+          </a:p>
+        </p:txBody>
+      </p:sp>
+      <p:sp>
+        <p:nvSpPr>
+          <p:cNvPr id="6" name="Slide Number Placeholder 5">
+            <a:extLst>
+              <a:ext uri="{FF2B5EF4-FFF2-40B4-BE49-F238E27FC236}">
+                <a16:creationId xmlns:a16="http://schemas.microsoft.com/office/drawing/2014/main" id="{8FE0BF84-B9EA-4B20-9793-B459A8108909}"/>
+              </a:ext>
+            </a:extLst>
+          </p:cNvPr>
           <p:cNvSpPr>
             <a:spLocks noGrp="1"/>
           </p:cNvSpPr>
@@ -3126,8 +3008,8 @@
         </p:nvSpPr>
         <p:spPr>
           <a:xfrm>
-            <a:off x="6553200" y="6356350"/>
-            <a:ext cx="2133600" cy="365125"/>
+            <a:off x="8610600" y="6356350"/>
+            <a:ext cx="2743200" cy="365125"/>
           </a:xfrm>
           <a:prstGeom prst="rect">
             <a:avLst/>
@@ -3147,18 +3029,18 @@
             </a:lvl1pPr>
           </a:lstStyle>
           <a:p>
-            <a:fld id="{FB34683C-161B-4520-BF45-B179E228CF2A}" type="slidenum">
-              <a:rPr lang="en-US" smtClean="0"/>
+            <a:fld id="{B73D482A-22D0-40AA-8A00-C68C27114349}" type="slidenum">
+              <a:rPr lang="en-SG" smtClean="0"/>
               <a:t>‹#›</a:t>
             </a:fld>
-            <a:endParaRPr lang="en-US"/>
+            <a:endParaRPr lang="en-SG"/>
           </a:p>
         </p:txBody>
       </p:sp>
     </p:spTree>
     <p:extLst>
       <p:ext uri="{BB962C8B-B14F-4D97-AF65-F5344CB8AC3E}">
-        <p14:creationId xmlns:p14="http://schemas.microsoft.com/office/powerpoint/2010/main" val="2341400630"/>
+        <p14:creationId xmlns:p14="http://schemas.microsoft.com/office/powerpoint/2010/main" val="37883092"/>
       </p:ext>
     </p:extLst>
   </p:cSld>
@@ -3178,7 +3060,10 @@
   </p:sldLayoutIdLst>
   <p:txStyles>
     <p:titleStyle>
-      <a:lvl1pPr algn="ctr" defTabSz="914400" rtl="0" eaLnBrk="1" latinLnBrk="0" hangingPunct="1">
+      <a:lvl1pPr algn="l" defTabSz="914400" rtl="0" eaLnBrk="1" latinLnBrk="0" hangingPunct="1">
+        <a:lnSpc>
+          <a:spcPct val="90000"/>
+        </a:lnSpc>
         <a:spcBef>
           <a:spcPct val="0"/>
         </a:spcBef>
@@ -3194,13 +3079,16 @@
       </a:lvl1pPr>
     </p:titleStyle>
     <p:bodyStyle>
-      <a:lvl1pPr marL="342900" indent="-342900" algn="l" defTabSz="914400" rtl="0" eaLnBrk="1" latinLnBrk="0" hangingPunct="1">
+      <a:lvl1pPr marL="228600" indent="-228600" algn="l" defTabSz="914400" rtl="0" eaLnBrk="1" latinLnBrk="0" hangingPunct="1">
+        <a:lnSpc>
+          <a:spcPct val="90000"/>
+        </a:lnSpc>
         <a:spcBef>
-          <a:spcPct val="20000"/>
+          <a:spcPts val="1000"/>
         </a:spcBef>
         <a:buFont typeface="Arial" panose="020B0604020202020204" pitchFamily="34" charset="0"/>
         <a:buChar char="•"/>
-        <a:defRPr sz="3200" kern="1200">
+        <a:defRPr sz="2800" kern="1200">
           <a:solidFill>
             <a:schemeClr val="tx1"/>
           </a:solidFill>
@@ -3209,24 +3097,12 @@
           <a:cs typeface="+mn-cs"/>
         </a:defRPr>
       </a:lvl1pPr>
-      <a:lvl2pPr marL="742950" indent="-285750" algn="l" defTabSz="914400" rtl="0" eaLnBrk="1" latinLnBrk="0" hangingPunct="1">
+      <a:lvl2pPr marL="685800" indent="-228600" algn="l" defTabSz="914400" rtl="0" eaLnBrk="1" latinLnBrk="0" hangingPunct="1">
+        <a:lnSpc>
+          <a:spcPct val="90000"/>
+        </a:lnSpc>
         <a:spcBef>
-          <a:spcPct val="20000"/>
-        </a:spcBef>
-        <a:buFont typeface="Arial" panose="020B0604020202020204" pitchFamily="34" charset="0"/>
-        <a:buChar char="–"/>
-        <a:defRPr sz="2800" kern="1200">
-          <a:solidFill>
-            <a:schemeClr val="tx1"/>
-          </a:solidFill>
-          <a:latin typeface="+mn-lt"/>
-          <a:ea typeface="+mn-ea"/>
-          <a:cs typeface="+mn-cs"/>
-        </a:defRPr>
-      </a:lvl2pPr>
-      <a:lvl3pPr marL="1143000" indent="-228600" algn="l" defTabSz="914400" rtl="0" eaLnBrk="1" latinLnBrk="0" hangingPunct="1">
-        <a:spcBef>
-          <a:spcPct val="20000"/>
+          <a:spcPts val="500"/>
         </a:spcBef>
         <a:buFont typeface="Arial" panose="020B0604020202020204" pitchFamily="34" charset="0"/>
         <a:buChar char="•"/>
@@ -3238,40 +3114,13 @@
           <a:ea typeface="+mn-ea"/>
           <a:cs typeface="+mn-cs"/>
         </a:defRPr>
-      </a:lvl3pPr>
-      <a:lvl4pPr marL="1600200" indent="-228600" algn="l" defTabSz="914400" rtl="0" eaLnBrk="1" latinLnBrk="0" hangingPunct="1">
+      </a:lvl2pPr>
+      <a:lvl3pPr marL="1143000" indent="-228600" algn="l" defTabSz="914400" rtl="0" eaLnBrk="1" latinLnBrk="0" hangingPunct="1">
+        <a:lnSpc>
+          <a:spcPct val="90000"/>
+        </a:lnSpc>
         <a:spcBef>
-          <a:spcPct val="20000"/>
-        </a:spcBef>
-        <a:buFont typeface="Arial" panose="020B0604020202020204" pitchFamily="34" charset="0"/>
-        <a:buChar char="–"/>
-        <a:defRPr sz="2000" kern="1200">
-          <a:solidFill>
-            <a:schemeClr val="tx1"/>
-          </a:solidFill>
-          <a:latin typeface="+mn-lt"/>
-          <a:ea typeface="+mn-ea"/>
-          <a:cs typeface="+mn-cs"/>
-        </a:defRPr>
-      </a:lvl4pPr>
-      <a:lvl5pPr marL="2057400" indent="-228600" algn="l" defTabSz="914400" rtl="0" eaLnBrk="1" latinLnBrk="0" hangingPunct="1">
-        <a:spcBef>
-          <a:spcPct val="20000"/>
-        </a:spcBef>
-        <a:buFont typeface="Arial" panose="020B0604020202020204" pitchFamily="34" charset="0"/>
-        <a:buChar char="»"/>
-        <a:defRPr sz="2000" kern="1200">
-          <a:solidFill>
-            <a:schemeClr val="tx1"/>
-          </a:solidFill>
-          <a:latin typeface="+mn-lt"/>
-          <a:ea typeface="+mn-ea"/>
-          <a:cs typeface="+mn-cs"/>
-        </a:defRPr>
-      </a:lvl5pPr>
-      <a:lvl6pPr marL="2514600" indent="-228600" algn="l" defTabSz="914400" rtl="0" eaLnBrk="1" latinLnBrk="0" hangingPunct="1">
-        <a:spcBef>
-          <a:spcPct val="20000"/>
+          <a:spcPts val="500"/>
         </a:spcBef>
         <a:buFont typeface="Arial" panose="020B0604020202020204" pitchFamily="34" charset="0"/>
         <a:buChar char="•"/>
@@ -3283,14 +3132,71 @@
           <a:ea typeface="+mn-ea"/>
           <a:cs typeface="+mn-cs"/>
         </a:defRPr>
-      </a:lvl6pPr>
-      <a:lvl7pPr marL="2971800" indent="-228600" algn="l" defTabSz="914400" rtl="0" eaLnBrk="1" latinLnBrk="0" hangingPunct="1">
+      </a:lvl3pPr>
+      <a:lvl4pPr marL="1600200" indent="-228600" algn="l" defTabSz="914400" rtl="0" eaLnBrk="1" latinLnBrk="0" hangingPunct="1">
+        <a:lnSpc>
+          <a:spcPct val="90000"/>
+        </a:lnSpc>
         <a:spcBef>
-          <a:spcPct val="20000"/>
+          <a:spcPts val="500"/>
         </a:spcBef>
         <a:buFont typeface="Arial" panose="020B0604020202020204" pitchFamily="34" charset="0"/>
         <a:buChar char="•"/>
-        <a:defRPr sz="2000" kern="1200">
+        <a:defRPr sz="1800" kern="1200">
+          <a:solidFill>
+            <a:schemeClr val="tx1"/>
+          </a:solidFill>
+          <a:latin typeface="+mn-lt"/>
+          <a:ea typeface="+mn-ea"/>
+          <a:cs typeface="+mn-cs"/>
+        </a:defRPr>
+      </a:lvl4pPr>
+      <a:lvl5pPr marL="2057400" indent="-228600" algn="l" defTabSz="914400" rtl="0" eaLnBrk="1" latinLnBrk="0" hangingPunct="1">
+        <a:lnSpc>
+          <a:spcPct val="90000"/>
+        </a:lnSpc>
+        <a:spcBef>
+          <a:spcPts val="500"/>
+        </a:spcBef>
+        <a:buFont typeface="Arial" panose="020B0604020202020204" pitchFamily="34" charset="0"/>
+        <a:buChar char="•"/>
+        <a:defRPr sz="1800" kern="1200">
+          <a:solidFill>
+            <a:schemeClr val="tx1"/>
+          </a:solidFill>
+          <a:latin typeface="+mn-lt"/>
+          <a:ea typeface="+mn-ea"/>
+          <a:cs typeface="+mn-cs"/>
+        </a:defRPr>
+      </a:lvl5pPr>
+      <a:lvl6pPr marL="2514600" indent="-228600" algn="l" defTabSz="914400" rtl="0" eaLnBrk="1" latinLnBrk="0" hangingPunct="1">
+        <a:lnSpc>
+          <a:spcPct val="90000"/>
+        </a:lnSpc>
+        <a:spcBef>
+          <a:spcPts val="500"/>
+        </a:spcBef>
+        <a:buFont typeface="Arial" panose="020B0604020202020204" pitchFamily="34" charset="0"/>
+        <a:buChar char="•"/>
+        <a:defRPr sz="1800" kern="1200">
+          <a:solidFill>
+            <a:schemeClr val="tx1"/>
+          </a:solidFill>
+          <a:latin typeface="+mn-lt"/>
+          <a:ea typeface="+mn-ea"/>
+          <a:cs typeface="+mn-cs"/>
+        </a:defRPr>
+      </a:lvl6pPr>
+      <a:lvl7pPr marL="2971800" indent="-228600" algn="l" defTabSz="914400" rtl="0" eaLnBrk="1" latinLnBrk="0" hangingPunct="1">
+        <a:lnSpc>
+          <a:spcPct val="90000"/>
+        </a:lnSpc>
+        <a:spcBef>
+          <a:spcPts val="500"/>
+        </a:spcBef>
+        <a:buFont typeface="Arial" panose="020B0604020202020204" pitchFamily="34" charset="0"/>
+        <a:buChar char="•"/>
+        <a:defRPr sz="1800" kern="1200">
           <a:solidFill>
             <a:schemeClr val="tx1"/>
           </a:solidFill>
@@ -3300,12 +3206,15 @@
         </a:defRPr>
       </a:lvl7pPr>
       <a:lvl8pPr marL="3429000" indent="-228600" algn="l" defTabSz="914400" rtl="0" eaLnBrk="1" latinLnBrk="0" hangingPunct="1">
+        <a:lnSpc>
+          <a:spcPct val="90000"/>
+        </a:lnSpc>
         <a:spcBef>
-          <a:spcPct val="20000"/>
+          <a:spcPts val="500"/>
         </a:spcBef>
         <a:buFont typeface="Arial" panose="020B0604020202020204" pitchFamily="34" charset="0"/>
         <a:buChar char="•"/>
-        <a:defRPr sz="2000" kern="1200">
+        <a:defRPr sz="1800" kern="1200">
           <a:solidFill>
             <a:schemeClr val="tx1"/>
           </a:solidFill>
@@ -3315,12 +3224,15 @@
         </a:defRPr>
       </a:lvl8pPr>
       <a:lvl9pPr marL="3886200" indent="-228600" algn="l" defTabSz="914400" rtl="0" eaLnBrk="1" latinLnBrk="0" hangingPunct="1">
+        <a:lnSpc>
+          <a:spcPct val="90000"/>
+        </a:lnSpc>
         <a:spcBef>
-          <a:spcPct val="20000"/>
+          <a:spcPts val="500"/>
         </a:spcBef>
         <a:buFont typeface="Arial" panose="020B0604020202020204" pitchFamily="34" charset="0"/>
         <a:buChar char="•"/>
-        <a:defRPr sz="2000" kern="1200">
+        <a:defRPr sz="1800" kern="1200">
           <a:solidFill>
             <a:schemeClr val="tx1"/>
           </a:solidFill>
@@ -3454,7 +3366,7 @@
         </p:nvSpPr>
         <p:spPr>
           <a:xfrm>
-            <a:off x="1066800" y="914400"/>
+            <a:off x="2590800" y="914400"/>
             <a:ext cx="7084740" cy="3733800"/>
           </a:xfrm>
           <a:prstGeom prst="roundRect">
@@ -3515,7 +3427,7 @@
         </p:nvSpPr>
         <p:spPr>
           <a:xfrm>
-            <a:off x="2095948" y="1253067"/>
+            <a:off x="3619949" y="1253067"/>
             <a:ext cx="1093635" cy="346760"/>
           </a:xfrm>
           <a:prstGeom prst="rect">
@@ -3574,7 +3486,7 @@
         </p:nvSpPr>
         <p:spPr>
           <a:xfrm flipH="1">
-            <a:off x="6878274" y="2740152"/>
+            <a:off x="8402274" y="2740152"/>
             <a:ext cx="970326" cy="346760"/>
           </a:xfrm>
           <a:prstGeom prst="rect">
@@ -3607,7 +3519,7 @@
           <a:p>
             <a:pPr algn="ctr"/>
             <a:r>
-              <a:rPr lang="en-US" sz="1050" b="1" dirty="0" err="1" smtClean="0">
+              <a:rPr lang="en-US" sz="1050" b="1" dirty="0" err="1">
                 <a:solidFill>
                   <a:srgbClr val="0070C0"/>
                 </a:solidFill>
@@ -3630,7 +3542,7 @@
         </p:nvSpPr>
         <p:spPr>
           <a:xfrm>
-            <a:off x="1782495" y="3583530"/>
+            <a:off x="3306496" y="3583530"/>
             <a:ext cx="1093635" cy="346760"/>
           </a:xfrm>
           <a:prstGeom prst="rect">
@@ -3692,7 +3604,7 @@
         </p:nvCxnSpPr>
         <p:spPr>
           <a:xfrm flipH="1" flipV="1">
-            <a:off x="3189583" y="1426447"/>
+            <a:off x="4713583" y="1426448"/>
             <a:ext cx="4559332" cy="2895973"/>
           </a:xfrm>
           <a:prstGeom prst="bentConnector3">
@@ -3735,7 +3647,7 @@
         </p:nvCxnSpPr>
         <p:spPr>
           <a:xfrm>
-            <a:off x="1676400" y="1423587"/>
+            <a:off x="3200400" y="1423587"/>
             <a:ext cx="419548" cy="2860"/>
           </a:xfrm>
           <a:prstGeom prst="bentConnector3">
@@ -3776,7 +3688,7 @@
         </p:nvSpPr>
         <p:spPr>
           <a:xfrm>
-            <a:off x="1103085" y="4777355"/>
+            <a:off x="2627086" y="4777356"/>
             <a:ext cx="7050315" cy="328045"/>
           </a:xfrm>
           <a:prstGeom prst="roundRect">
@@ -3836,7 +3748,7 @@
         </p:nvSpPr>
         <p:spPr>
           <a:xfrm>
-            <a:off x="6976872" y="4149040"/>
+            <a:off x="8500873" y="4149040"/>
             <a:ext cx="772043" cy="346760"/>
           </a:xfrm>
           <a:prstGeom prst="rect">
@@ -3907,7 +3819,7 @@
         </p:nvSpPr>
         <p:spPr>
           <a:xfrm>
-            <a:off x="3255418" y="3554995"/>
+            <a:off x="4779419" y="3554996"/>
             <a:ext cx="1045323" cy="384497"/>
           </a:xfrm>
           <a:prstGeom prst="rect">
@@ -3939,18 +3851,13 @@
           <a:p>
             <a:pPr algn="ctr"/>
             <a:r>
-              <a:rPr lang="en-US" sz="1050" dirty="0" err="1" smtClean="0">
+              <a:rPr lang="en-US" sz="1050" dirty="0">
                 <a:solidFill>
                   <a:schemeClr val="bg1"/>
                 </a:solidFill>
               </a:rPr>
-              <a:t>AddressBook</a:t>
-            </a:r>
-            <a:endParaRPr lang="en-US" sz="1050" dirty="0">
-              <a:solidFill>
-                <a:schemeClr val="bg1"/>
-              </a:solidFill>
-            </a:endParaRPr>
+              <a:t>Catalogue</a:t>
+            </a:r>
           </a:p>
           <a:p>
             <a:pPr algn="ctr"/>
@@ -3980,7 +3887,7 @@
         </p:nvCxnSpPr>
         <p:spPr>
           <a:xfrm>
-            <a:off x="7362894" y="4495800"/>
+            <a:off x="8886894" y="4495801"/>
             <a:ext cx="0" cy="281555"/>
           </a:xfrm>
           <a:prstGeom prst="straightConnector1">
@@ -4019,7 +3926,7 @@
         </p:nvSpPr>
         <p:spPr>
           <a:xfrm rot="16200000">
-            <a:off x="398120" y="2150720"/>
+            <a:off x="1922120" y="2150720"/>
             <a:ext cx="2209800" cy="346760"/>
           </a:xfrm>
           <a:prstGeom prst="rect">
@@ -4089,7 +3996,7 @@
         </p:nvSpPr>
         <p:spPr>
           <a:xfrm>
-            <a:off x="1359039" y="3429000"/>
+            <a:off x="2883039" y="3429001"/>
             <a:ext cx="270504" cy="175523"/>
           </a:xfrm>
           <a:prstGeom prst="triangle">
@@ -4146,7 +4053,7 @@
         </p:nvCxnSpPr>
         <p:spPr>
           <a:xfrm rot="10800000">
-            <a:off x="1494291" y="3604524"/>
+            <a:off x="3018291" y="3604525"/>
             <a:ext cx="288204" cy="152387"/>
           </a:xfrm>
           <a:prstGeom prst="bentConnector2">
@@ -4187,7 +4094,7 @@
         </p:nvCxnSpPr>
         <p:spPr>
           <a:xfrm>
-            <a:off x="2329313" y="3930290"/>
+            <a:off x="3853313" y="3930291"/>
             <a:ext cx="1376" cy="854841"/>
           </a:xfrm>
           <a:prstGeom prst="straightConnector1">
@@ -4225,7 +4132,7 @@
         </p:nvCxnSpPr>
         <p:spPr>
           <a:xfrm>
-            <a:off x="893311" y="2832505"/>
+            <a:off x="2417311" y="2832505"/>
             <a:ext cx="419548" cy="2860"/>
           </a:xfrm>
           <a:prstGeom prst="bentConnector3">
@@ -4270,7 +4177,7 @@
         </p:nvCxnSpPr>
         <p:spPr>
           <a:xfrm>
-            <a:off x="2281833" y="3939492"/>
+            <a:off x="3805834" y="3939492"/>
             <a:ext cx="4695039" cy="382928"/>
           </a:xfrm>
           <a:prstGeom prst="bentConnector3">
@@ -4311,7 +4218,7 @@
         </p:nvGrpSpPr>
         <p:grpSpPr>
           <a:xfrm>
-            <a:off x="4597400" y="4341168"/>
+            <a:off x="6121400" y="4341168"/>
             <a:ext cx="889000" cy="230832"/>
             <a:chOff x="2895600" y="807932"/>
             <a:chExt cx="889000" cy="230832"/>
@@ -4411,7 +4318,7 @@
         </p:nvGrpSpPr>
         <p:grpSpPr>
           <a:xfrm>
-            <a:off x="4665110" y="1219200"/>
+            <a:off x="6189110" y="1219200"/>
             <a:ext cx="868568" cy="230832"/>
             <a:chOff x="2755838" y="789460"/>
             <a:chExt cx="868568" cy="230832"/>
@@ -4510,7 +4417,7 @@
         </p:nvSpPr>
         <p:spPr>
           <a:xfrm>
-            <a:off x="3048000" y="3733800"/>
+            <a:off x="4572000" y="3733800"/>
             <a:ext cx="131116" cy="230832"/>
           </a:xfrm>
           <a:prstGeom prst="rect">
@@ -4549,7 +4456,7 @@
         </p:nvCxnSpPr>
         <p:spPr>
           <a:xfrm rot="5400000" flipH="1" flipV="1">
-            <a:off x="1193276" y="2601868"/>
+            <a:off x="2717277" y="2601868"/>
             <a:ext cx="1969553" cy="2764"/>
           </a:xfrm>
           <a:prstGeom prst="bentConnector3">
@@ -4590,7 +4497,7 @@
         </p:nvSpPr>
         <p:spPr>
           <a:xfrm>
-            <a:off x="3174214" y="1862795"/>
+            <a:off x="4698215" y="1862795"/>
             <a:ext cx="751107" cy="346760"/>
           </a:xfrm>
           <a:prstGeom prst="rect">
@@ -4670,7 +4577,7 @@
         </p:nvSpPr>
         <p:spPr>
           <a:xfrm>
-            <a:off x="2238496" y="2454481"/>
+            <a:off x="3762497" y="2454481"/>
             <a:ext cx="726243" cy="174580"/>
           </a:xfrm>
           <a:prstGeom prst="rect">
@@ -4735,7 +4642,7 @@
         </p:nvSpPr>
         <p:spPr>
           <a:xfrm>
-            <a:off x="3186326" y="2841725"/>
+            <a:off x="4710326" y="2841725"/>
             <a:ext cx="731636" cy="283820"/>
           </a:xfrm>
           <a:prstGeom prst="rect">
@@ -4800,7 +4707,7 @@
         </p:nvSpPr>
         <p:spPr>
           <a:xfrm>
-            <a:off x="3186326" y="3190882"/>
+            <a:off x="4710326" y="3190882"/>
             <a:ext cx="731636" cy="283820"/>
           </a:xfrm>
           <a:prstGeom prst="rect">
@@ -4869,7 +4776,7 @@
         </p:nvCxnSpPr>
         <p:spPr>
           <a:xfrm rot="10800000">
-            <a:off x="2601618" y="2629061"/>
+            <a:off x="4125618" y="2629061"/>
             <a:ext cx="584708" cy="354574"/>
           </a:xfrm>
           <a:prstGeom prst="bentConnector2">
@@ -4915,7 +4822,7 @@
         </p:nvCxnSpPr>
         <p:spPr>
           <a:xfrm rot="10800000" flipV="1">
-            <a:off x="2601618" y="2036175"/>
+            <a:off x="4125618" y="2036175"/>
             <a:ext cx="572596" cy="418306"/>
           </a:xfrm>
           <a:prstGeom prst="bentConnector2">
@@ -4957,7 +4864,7 @@
         </p:nvGrpSpPr>
         <p:grpSpPr>
           <a:xfrm rot="10800000">
-            <a:off x="4687086" y="3784757"/>
+            <a:off x="6211086" y="3784757"/>
             <a:ext cx="555486" cy="254462"/>
             <a:chOff x="3703306" y="644022"/>
             <a:chExt cx="555486" cy="230832"/>
@@ -5062,7 +4969,7 @@
         </p:nvSpPr>
         <p:spPr>
           <a:xfrm flipV="1">
-            <a:off x="7227643" y="3980475"/>
+            <a:off x="8751643" y="3980476"/>
             <a:ext cx="270504" cy="175523"/>
           </a:xfrm>
           <a:prstGeom prst="triangle">
@@ -5119,7 +5026,7 @@
         </p:nvCxnSpPr>
         <p:spPr>
           <a:xfrm rot="5400000" flipH="1" flipV="1">
-            <a:off x="6916385" y="3533423"/>
+            <a:off x="8440386" y="3533423"/>
             <a:ext cx="893563" cy="542"/>
           </a:xfrm>
           <a:prstGeom prst="bentConnector3">
@@ -5159,7 +5066,7 @@
         </p:nvCxnSpPr>
         <p:spPr>
           <a:xfrm flipV="1">
-            <a:off x="6066328" y="2913532"/>
+            <a:off x="7590328" y="2913533"/>
             <a:ext cx="811946" cy="659"/>
           </a:xfrm>
           <a:prstGeom prst="bentConnector3">
@@ -5202,7 +5109,7 @@
         </p:nvSpPr>
         <p:spPr>
           <a:xfrm>
-            <a:off x="3174214" y="2370131"/>
+            <a:off x="4698214" y="2370131"/>
             <a:ext cx="750156" cy="340758"/>
           </a:xfrm>
           <a:prstGeom prst="rect">
@@ -5281,7 +5188,7 @@
         </p:nvCxnSpPr>
         <p:spPr>
           <a:xfrm rot="10800000" flipV="1">
-            <a:off x="2964740" y="2540509"/>
+            <a:off x="4488741" y="2540510"/>
             <a:ext cx="209475" cy="1261"/>
           </a:xfrm>
           <a:prstGeom prst="bentConnector3">
@@ -5329,7 +5236,7 @@
         </p:nvCxnSpPr>
         <p:spPr>
           <a:xfrm rot="5400000">
-            <a:off x="3469242" y="2289605"/>
+            <a:off x="4993242" y="2289605"/>
             <a:ext cx="160576" cy="476"/>
           </a:xfrm>
           <a:prstGeom prst="bentConnector3">
@@ -5373,7 +5280,7 @@
         </p:nvSpPr>
         <p:spPr>
           <a:xfrm>
-            <a:off x="1295065" y="4183424"/>
+            <a:off x="2819065" y="4183424"/>
             <a:ext cx="805984" cy="346760"/>
           </a:xfrm>
           <a:prstGeom prst="rect">
@@ -5409,7 +5316,7 @@
           <a:p>
             <a:pPr algn="ctr"/>
             <a:r>
-              <a:rPr lang="en-US" sz="1050">
+              <a:rPr lang="en-US" sz="1050" dirty="0">
                 <a:solidFill>
                   <a:schemeClr val="bg1"/>
                 </a:solidFill>
@@ -5443,7 +5350,7 @@
         </p:nvCxnSpPr>
         <p:spPr>
           <a:xfrm>
-            <a:off x="1971157" y="3939492"/>
+            <a:off x="3495157" y="3939492"/>
             <a:ext cx="2022" cy="240622"/>
           </a:xfrm>
           <a:prstGeom prst="straightConnector1">
@@ -5481,7 +5388,7 @@
         </p:nvSpPr>
         <p:spPr>
           <a:xfrm>
-            <a:off x="1773980" y="4000395"/>
+            <a:off x="3297980" y="4000395"/>
             <a:ext cx="131116" cy="230832"/>
           </a:xfrm>
           <a:prstGeom prst="rect">
@@ -5517,7 +5424,7 @@
           <p:cNvPr id="97" name="Rectangle 96">
             <a:extLst>
               <a:ext uri="{FF2B5EF4-FFF2-40B4-BE49-F238E27FC236}">
-                <a16:creationId xmlns="" xmlns:a16="http://schemas.microsoft.com/office/drawing/2014/main" id="{AADE6A0C-89AB-467B-8CEA-5FCF36CE0D21}"/>
+                <a16:creationId xmlns:a16="http://schemas.microsoft.com/office/drawing/2014/main" id="{AADE6A0C-89AB-467B-8CEA-5FCF36CE0D21}"/>
               </a:ext>
             </a:extLst>
           </p:cNvPr>
@@ -5526,7 +5433,7 @@
         </p:nvSpPr>
         <p:spPr>
           <a:xfrm flipH="1">
-            <a:off x="5067626" y="1981200"/>
+            <a:off x="6591626" y="1981200"/>
             <a:ext cx="998702" cy="346760"/>
           </a:xfrm>
           <a:prstGeom prst="rect">
@@ -5592,7 +5499,7 @@
         </p:nvSpPr>
         <p:spPr>
           <a:xfrm flipH="1">
-            <a:off x="5431725" y="2327960"/>
+            <a:off x="6955725" y="2327961"/>
             <a:ext cx="270504" cy="175523"/>
           </a:xfrm>
           <a:prstGeom prst="triangle">
@@ -5637,7 +5544,7 @@
         </p:nvGrpSpPr>
         <p:grpSpPr>
           <a:xfrm rot="5400000">
-            <a:off x="6371505" y="2788428"/>
+            <a:off x="7895505" y="2788428"/>
             <a:ext cx="222304" cy="598286"/>
             <a:chOff x="3965759" y="592436"/>
             <a:chExt cx="254462" cy="503902"/>
@@ -5742,7 +5649,7 @@
         </p:nvCxnSpPr>
         <p:spPr>
           <a:xfrm>
-            <a:off x="2893971" y="3687139"/>
+            <a:off x="4417972" y="3687139"/>
             <a:ext cx="361447" cy="0"/>
           </a:xfrm>
           <a:prstGeom prst="line">
@@ -5781,7 +5688,7 @@
         </p:nvSpPr>
         <p:spPr>
           <a:xfrm flipH="1">
-            <a:off x="5074342" y="2740811"/>
+            <a:off x="6598342" y="2740811"/>
             <a:ext cx="991986" cy="346760"/>
           </a:xfrm>
           <a:prstGeom prst="rect">
@@ -5815,7 +5722,7 @@
           <a:p>
             <a:pPr algn="ctr"/>
             <a:r>
-              <a:rPr lang="en-US" sz="1050" b="1" dirty="0" err="1" smtClean="0">
+              <a:rPr lang="en-US" sz="1050" b="1" dirty="0" err="1">
                 <a:solidFill>
                   <a:schemeClr val="bg1"/>
                 </a:solidFill>
@@ -5857,7 +5764,7 @@
         </p:nvCxnSpPr>
         <p:spPr>
           <a:xfrm rot="10800000">
-            <a:off x="3917734" y="2058661"/>
+            <a:off x="5441734" y="2058661"/>
             <a:ext cx="1156608" cy="855530"/>
           </a:xfrm>
           <a:prstGeom prst="bentConnector3">
@@ -5904,7 +5811,7 @@
         </p:nvCxnSpPr>
         <p:spPr>
           <a:xfrm rot="10800000">
-            <a:off x="3921964" y="2540511"/>
+            <a:off x="5445965" y="2540512"/>
             <a:ext cx="1152379" cy="373681"/>
           </a:xfrm>
           <a:prstGeom prst="bentConnector3">
@@ -5951,7 +5858,7 @@
         </p:nvCxnSpPr>
         <p:spPr>
           <a:xfrm rot="10800000" flipV="1">
-            <a:off x="3926192" y="2914191"/>
+            <a:off x="5450192" y="2914191"/>
             <a:ext cx="1148150" cy="108168"/>
           </a:xfrm>
           <a:prstGeom prst="bentConnector3">
@@ -5998,7 +5905,7 @@
         </p:nvCxnSpPr>
         <p:spPr>
           <a:xfrm rot="10800000" flipV="1">
-            <a:off x="3930422" y="2914191"/>
+            <a:off x="5454423" y="2914191"/>
             <a:ext cx="1143921" cy="439870"/>
           </a:xfrm>
           <a:prstGeom prst="bentConnector3">
@@ -6045,7 +5952,7 @@
         </p:nvCxnSpPr>
         <p:spPr>
           <a:xfrm flipV="1">
-            <a:off x="4300741" y="3087571"/>
+            <a:off x="5824741" y="3087572"/>
             <a:ext cx="1269594" cy="659673"/>
           </a:xfrm>
           <a:prstGeom prst="bentConnector2">
@@ -6088,7 +5995,7 @@
         </p:nvCxnSpPr>
         <p:spPr>
           <a:xfrm rot="16200000" flipH="1">
-            <a:off x="5451193" y="2621669"/>
+            <a:off x="6975193" y="2621669"/>
             <a:ext cx="234926" cy="3358"/>
           </a:xfrm>
           <a:prstGeom prst="bentConnector3">
@@ -6126,11 +6033,13 @@
         </p:nvSpPr>
         <p:spPr>
           <a:xfrm>
-            <a:off x="6263130" y="1981200"/>
-            <a:ext cx="1276614" cy="630473"/>
+            <a:off x="7656005" y="1617213"/>
+            <a:ext cx="1551232" cy="1011848"/>
           </a:xfrm>
           <a:prstGeom prst="foldedCorner">
-            <a:avLst/>
+            <a:avLst>
+              <a:gd name="adj" fmla="val 0"/>
+            </a:avLst>
           </a:prstGeom>
           <a:solidFill>
             <a:schemeClr val="accent5">
@@ -6165,7 +6074,7 @@
           <a:p>
             <a:pPr algn="ctr"/>
             <a:r>
-              <a:rPr lang="en-US" sz="1050" dirty="0" err="1" smtClean="0">
+              <a:rPr lang="en-US" sz="1050" dirty="0" err="1">
                 <a:solidFill>
                   <a:schemeClr val="bg1"/>
                 </a:solidFill>
@@ -6173,7 +6082,7 @@
               <a:t>XYZCommand</a:t>
             </a:r>
             <a:r>
-              <a:rPr lang="en-US" sz="1050" dirty="0" smtClean="0">
+              <a:rPr lang="en-US" sz="1050" dirty="0">
                 <a:solidFill>
                   <a:schemeClr val="bg1"/>
                 </a:solidFill>
@@ -6181,7 +6090,7 @@
               <a:t> = </a:t>
             </a:r>
             <a:r>
-              <a:rPr lang="en-US" sz="1050" dirty="0" err="1" smtClean="0">
+              <a:rPr lang="en-US" sz="1050" dirty="0" err="1">
                 <a:solidFill>
                   <a:schemeClr val="bg1"/>
                 </a:solidFill>
@@ -6189,7 +6098,7 @@
               <a:t>AddCommand</a:t>
             </a:r>
             <a:r>
-              <a:rPr lang="en-US" sz="1050" dirty="0" smtClean="0">
+              <a:rPr lang="en-US" sz="1050" dirty="0">
                 <a:solidFill>
                   <a:schemeClr val="bg1"/>
                 </a:solidFill>
@@ -6197,7 +6106,7 @@
               <a:t>, </a:t>
             </a:r>
             <a:r>
-              <a:rPr lang="en-US" sz="1050" dirty="0" err="1" smtClean="0">
+              <a:rPr lang="en-US" sz="1050" dirty="0" err="1">
                 <a:solidFill>
                   <a:schemeClr val="bg1"/>
                 </a:solidFill>
@@ -6205,18 +6114,45 @@
               <a:t>FindCommand</a:t>
             </a:r>
             <a:r>
-              <a:rPr lang="en-US" sz="1050" dirty="0" smtClean="0">
+              <a:rPr lang="en-US" sz="1050" dirty="0">
                 <a:solidFill>
                   <a:schemeClr val="bg1"/>
                 </a:solidFill>
               </a:rPr>
-              <a:t>, etc.</a:t>
-            </a:r>
-            <a:endParaRPr lang="en-US" sz="1050" dirty="0">
-              <a:solidFill>
-                <a:schemeClr val="bg1"/>
-              </a:solidFill>
-            </a:endParaRPr>
+              <a:t>, </a:t>
+            </a:r>
+            <a:r>
+              <a:rPr lang="en-US" sz="1050" dirty="0" err="1">
+                <a:solidFill>
+                  <a:schemeClr val="bg1"/>
+                </a:solidFill>
+              </a:rPr>
+              <a:t>AddAccountCommand</a:t>
+            </a:r>
+            <a:r>
+              <a:rPr lang="en-US" sz="1050" dirty="0">
+                <a:solidFill>
+                  <a:schemeClr val="bg1"/>
+                </a:solidFill>
+              </a:rPr>
+              <a:t>, </a:t>
+            </a:r>
+            <a:r>
+              <a:rPr lang="en-US" sz="1050" dirty="0" err="1">
+                <a:solidFill>
+                  <a:schemeClr val="bg1"/>
+                </a:solidFill>
+              </a:rPr>
+              <a:t>BorrowCommand</a:t>
+            </a:r>
+            <a:r>
+              <a:rPr lang="en-US" sz="1050" dirty="0">
+                <a:solidFill>
+                  <a:schemeClr val="bg1"/>
+                </a:solidFill>
+              </a:rPr>
+              <a:t> etc.</a:t>
+            </a:r>
           </a:p>
         </p:txBody>
       </p:sp>
@@ -6228,7 +6164,7 @@
         </p:nvSpPr>
         <p:spPr>
           <a:xfrm>
-            <a:off x="2334221" y="3058789"/>
+            <a:off x="3858222" y="3058789"/>
             <a:ext cx="758695" cy="346760"/>
           </a:xfrm>
           <a:prstGeom prst="rect">
@@ -6264,14 +6200,14 @@
           <a:p>
             <a:pPr algn="ctr"/>
             <a:r>
-              <a:rPr lang="en-US" sz="1050" dirty="0" err="1" smtClean="0">
+              <a:rPr lang="en-US" sz="1050" dirty="0" err="1">
                 <a:solidFill>
                   <a:schemeClr val="bg1"/>
                 </a:solidFill>
               </a:rPr>
               <a:t>UndoRedo</a:t>
             </a:r>
-            <a:endParaRPr lang="en-US" sz="1050" dirty="0" smtClean="0">
+            <a:endParaRPr lang="en-US" sz="1050" dirty="0">
               <a:solidFill>
                 <a:schemeClr val="bg1"/>
               </a:solidFill>
@@ -6280,7 +6216,7 @@
           <a:p>
             <a:pPr algn="ctr"/>
             <a:r>
-              <a:rPr lang="en-US" sz="1050" dirty="0" smtClean="0">
+              <a:rPr lang="en-US" sz="1050" dirty="0">
                 <a:solidFill>
                   <a:schemeClr val="bg1"/>
                 </a:solidFill>
@@ -6305,7 +6241,7 @@
         </p:nvCxnSpPr>
         <p:spPr>
           <a:xfrm flipV="1">
-            <a:off x="2713568" y="3405549"/>
+            <a:off x="4237569" y="3405550"/>
             <a:ext cx="1" cy="177981"/>
           </a:xfrm>
           <a:prstGeom prst="straightConnector1">
@@ -6343,7 +6279,7 @@
         </p:nvSpPr>
         <p:spPr>
           <a:xfrm>
-            <a:off x="2724741" y="3418256"/>
+            <a:off x="4248741" y="3418256"/>
             <a:ext cx="131116" cy="230832"/>
           </a:xfrm>
           <a:prstGeom prst="rect">
@@ -6398,44 +6334,44 @@
         <a:sysClr val="window" lastClr="FFFFFF"/>
       </a:lt1>
       <a:dk2>
-        <a:srgbClr val="1F497D"/>
+        <a:srgbClr val="44546A"/>
       </a:dk2>
       <a:lt2>
-        <a:srgbClr val="EEECE1"/>
+        <a:srgbClr val="E7E6E6"/>
       </a:lt2>
       <a:accent1>
-        <a:srgbClr val="4F81BD"/>
+        <a:srgbClr val="4472C4"/>
       </a:accent1>
       <a:accent2>
-        <a:srgbClr val="C0504D"/>
+        <a:srgbClr val="ED7D31"/>
       </a:accent2>
       <a:accent3>
-        <a:srgbClr val="9BBB59"/>
+        <a:srgbClr val="A5A5A5"/>
       </a:accent3>
       <a:accent4>
-        <a:srgbClr val="8064A2"/>
+        <a:srgbClr val="FFC000"/>
       </a:accent4>
       <a:accent5>
-        <a:srgbClr val="4BACC6"/>
+        <a:srgbClr val="5B9BD5"/>
       </a:accent5>
       <a:accent6>
-        <a:srgbClr val="F79646"/>
+        <a:srgbClr val="70AD47"/>
       </a:accent6>
       <a:hlink>
-        <a:srgbClr val="0000FF"/>
+        <a:srgbClr val="0563C1"/>
       </a:hlink>
       <a:folHlink>
-        <a:srgbClr val="800080"/>
+        <a:srgbClr val="954F72"/>
       </a:folHlink>
     </a:clrScheme>
     <a:fontScheme name="Office">
       <a:majorFont>
-        <a:latin typeface="Calibri"/>
+        <a:latin typeface="Calibri Light" panose="020F0302020204030204"/>
         <a:ea typeface=""/>
         <a:cs typeface=""/>
-        <a:font script="Jpan" typeface="ＭＳ Ｐゴシック"/>
+        <a:font script="Jpan" typeface="游ゴシック Light"/>
         <a:font script="Hang" typeface="맑은 고딕"/>
-        <a:font script="Hans" typeface="宋体"/>
+        <a:font script="Hans" typeface="等线 Light"/>
         <a:font script="Hant" typeface="新細明體"/>
         <a:font script="Arab" typeface="Times New Roman"/>
         <a:font script="Hebr" typeface="Times New Roman"/>
@@ -6463,14 +6399,31 @@
         <a:font script="Viet" typeface="Times New Roman"/>
         <a:font script="Uigh" typeface="Microsoft Uighur"/>
         <a:font script="Geor" typeface="Sylfaen"/>
+        <a:font script="Armn" typeface="Arial"/>
+        <a:font script="Bugi" typeface="Leelawadee UI"/>
+        <a:font script="Bopo" typeface="Microsoft JhengHei"/>
+        <a:font script="Java" typeface="Javanese Text"/>
+        <a:font script="Lisu" typeface="Segoe UI"/>
+        <a:font script="Mymr" typeface="Myanmar Text"/>
+        <a:font script="Nkoo" typeface="Ebrima"/>
+        <a:font script="Olck" typeface="Nirmala UI"/>
+        <a:font script="Osma" typeface="Ebrima"/>
+        <a:font script="Phag" typeface="Phagspa"/>
+        <a:font script="Syrn" typeface="Estrangelo Edessa"/>
+        <a:font script="Syrj" typeface="Estrangelo Edessa"/>
+        <a:font script="Syre" typeface="Estrangelo Edessa"/>
+        <a:font script="Sora" typeface="Nirmala UI"/>
+        <a:font script="Tale" typeface="Microsoft Tai Le"/>
+        <a:font script="Talu" typeface="Microsoft New Tai Lue"/>
+        <a:font script="Tfng" typeface="Ebrima"/>
       </a:majorFont>
       <a:minorFont>
-        <a:latin typeface="Calibri"/>
+        <a:latin typeface="Calibri" panose="020F0502020204030204"/>
         <a:ea typeface=""/>
         <a:cs typeface=""/>
-        <a:font script="Jpan" typeface="ＭＳ Ｐゴシック"/>
+        <a:font script="Jpan" typeface="游ゴシック"/>
         <a:font script="Hang" typeface="맑은 고딕"/>
-        <a:font script="Hans" typeface="宋体"/>
+        <a:font script="Hans" typeface="等线"/>
         <a:font script="Hant" typeface="新細明體"/>
         <a:font script="Arab" typeface="Arial"/>
         <a:font script="Hebr" typeface="Arial"/>
@@ -6498,6 +6451,23 @@
         <a:font script="Viet" typeface="Arial"/>
         <a:font script="Uigh" typeface="Microsoft Uighur"/>
         <a:font script="Geor" typeface="Sylfaen"/>
+        <a:font script="Armn" typeface="Arial"/>
+        <a:font script="Bugi" typeface="Leelawadee UI"/>
+        <a:font script="Bopo" typeface="Microsoft JhengHei"/>
+        <a:font script="Java" typeface="Javanese Text"/>
+        <a:font script="Lisu" typeface="Segoe UI"/>
+        <a:font script="Mymr" typeface="Myanmar Text"/>
+        <a:font script="Nkoo" typeface="Ebrima"/>
+        <a:font script="Olck" typeface="Nirmala UI"/>
+        <a:font script="Osma" typeface="Ebrima"/>
+        <a:font script="Phag" typeface="Phagspa"/>
+        <a:font script="Syrn" typeface="Estrangelo Edessa"/>
+        <a:font script="Syrj" typeface="Estrangelo Edessa"/>
+        <a:font script="Syre" typeface="Estrangelo Edessa"/>
+        <a:font script="Sora" typeface="Nirmala UI"/>
+        <a:font script="Tale" typeface="Microsoft Tai Le"/>
+        <a:font script="Talu" typeface="Microsoft New Tai Lue"/>
+        <a:font script="Tfng" typeface="Ebrima"/>
       </a:minorFont>
     </a:fontScheme>
     <a:fmtScheme name="Office">
@@ -6509,450 +6479,141 @@
           <a:gsLst>
             <a:gs pos="0">
               <a:schemeClr val="phClr">
-                <a:tint val="50000"/>
-                <a:satMod val="300000"/>
+                <a:lumMod val="110000"/>
+                <a:satMod val="105000"/>
+                <a:tint val="67000"/>
               </a:schemeClr>
             </a:gs>
-            <a:gs pos="35000">
+            <a:gs pos="50000">
               <a:schemeClr val="phClr">
-                <a:tint val="37000"/>
-                <a:satMod val="300000"/>
+                <a:lumMod val="105000"/>
+                <a:satMod val="103000"/>
+                <a:tint val="73000"/>
               </a:schemeClr>
             </a:gs>
             <a:gs pos="100000">
               <a:schemeClr val="phClr">
-                <a:tint val="15000"/>
-                <a:satMod val="350000"/>
+                <a:lumMod val="105000"/>
+                <a:satMod val="109000"/>
+                <a:tint val="81000"/>
               </a:schemeClr>
             </a:gs>
           </a:gsLst>
-          <a:lin ang="16200000" scaled="1"/>
+          <a:lin ang="5400000" scaled="0"/>
         </a:gradFill>
         <a:gradFill rotWithShape="1">
           <a:gsLst>
             <a:gs pos="0">
               <a:schemeClr val="phClr">
-                <a:shade val="51000"/>
-                <a:satMod val="130000"/>
+                <a:satMod val="103000"/>
+                <a:lumMod val="102000"/>
+                <a:tint val="94000"/>
               </a:schemeClr>
             </a:gs>
-            <a:gs pos="80000">
+            <a:gs pos="50000">
               <a:schemeClr val="phClr">
-                <a:shade val="93000"/>
-                <a:satMod val="130000"/>
+                <a:satMod val="110000"/>
+                <a:lumMod val="100000"/>
+                <a:shade val="100000"/>
               </a:schemeClr>
             </a:gs>
             <a:gs pos="100000">
               <a:schemeClr val="phClr">
-                <a:shade val="94000"/>
-                <a:satMod val="135000"/>
+                <a:lumMod val="99000"/>
+                <a:satMod val="120000"/>
+                <a:shade val="78000"/>
               </a:schemeClr>
             </a:gs>
           </a:gsLst>
-          <a:lin ang="16200000" scaled="0"/>
+          <a:lin ang="5400000" scaled="0"/>
         </a:gradFill>
       </a:fillStyleLst>
       <a:lnStyleLst>
-        <a:ln w="9525" cap="flat" cmpd="sng" algn="ctr">
-          <a:solidFill>
-            <a:schemeClr val="phClr">
-              <a:shade val="95000"/>
-              <a:satMod val="105000"/>
-            </a:schemeClr>
-          </a:solidFill>
-          <a:prstDash val="solid"/>
-        </a:ln>
-        <a:ln w="25400" cap="flat" cmpd="sng" algn="ctr">
+        <a:ln w="6350" cap="flat" cmpd="sng" algn="ctr">
           <a:solidFill>
             <a:schemeClr val="phClr"/>
           </a:solidFill>
           <a:prstDash val="solid"/>
+          <a:miter lim="800000"/>
         </a:ln>
-        <a:ln w="38100" cap="flat" cmpd="sng" algn="ctr">
+        <a:ln w="12700" cap="flat" cmpd="sng" algn="ctr">
           <a:solidFill>
             <a:schemeClr val="phClr"/>
           </a:solidFill>
           <a:prstDash val="solid"/>
+          <a:miter lim="800000"/>
+        </a:ln>
+        <a:ln w="19050" cap="flat" cmpd="sng" algn="ctr">
+          <a:solidFill>
+            <a:schemeClr val="phClr"/>
+          </a:solidFill>
+          <a:prstDash val="solid"/>
+          <a:miter lim="800000"/>
         </a:ln>
       </a:lnStyleLst>
       <a:effectStyleLst>
         <a:effectStyle>
+          <a:effectLst/>
+        </a:effectStyle>
+        <a:effectStyle>
+          <a:effectLst/>
+        </a:effectStyle>
+        <a:effectStyle>
           <a:effectLst>
-            <a:outerShdw blurRad="40000" dist="20000" dir="5400000" rotWithShape="0">
+            <a:outerShdw blurRad="57150" dist="19050" dir="5400000" algn="ctr" rotWithShape="0">
               <a:srgbClr val="000000">
-                <a:alpha val="38000"/>
+                <a:alpha val="63000"/>
               </a:srgbClr>
             </a:outerShdw>
           </a:effectLst>
-        </a:effectStyle>
-        <a:effectStyle>
-          <a:effectLst>
-            <a:outerShdw blurRad="40000" dist="23000" dir="5400000" rotWithShape="0">
-              <a:srgbClr val="000000">
-                <a:alpha val="35000"/>
-              </a:srgbClr>
-            </a:outerShdw>
-          </a:effectLst>
-        </a:effectStyle>
-        <a:effectStyle>
-          <a:effectLst>
-            <a:outerShdw blurRad="40000" dist="23000" dir="5400000" rotWithShape="0">
-              <a:srgbClr val="000000">
-                <a:alpha val="35000"/>
-              </a:srgbClr>
-            </a:outerShdw>
-          </a:effectLst>
-          <a:scene3d>
-            <a:camera prst="orthographicFront">
-              <a:rot lat="0" lon="0" rev="0"/>
-            </a:camera>
-            <a:lightRig rig="threePt" dir="t">
-              <a:rot lat="0" lon="0" rev="1200000"/>
-            </a:lightRig>
-          </a:scene3d>
-          <a:sp3d>
-            <a:bevelT w="63500" h="25400"/>
-          </a:sp3d>
         </a:effectStyle>
       </a:effectStyleLst>
       <a:bgFillStyleLst>
         <a:solidFill>
           <a:schemeClr val="phClr"/>
         </a:solidFill>
+        <a:solidFill>
+          <a:schemeClr val="phClr">
+            <a:tint val="95000"/>
+            <a:satMod val="170000"/>
+          </a:schemeClr>
+        </a:solidFill>
         <a:gradFill rotWithShape="1">
           <a:gsLst>
             <a:gs pos="0">
               <a:schemeClr val="phClr">
-                <a:tint val="40000"/>
-                <a:satMod val="350000"/>
+                <a:tint val="93000"/>
+                <a:satMod val="150000"/>
+                <a:shade val="98000"/>
+                <a:lumMod val="102000"/>
               </a:schemeClr>
             </a:gs>
-            <a:gs pos="40000">
+            <a:gs pos="50000">
               <a:schemeClr val="phClr">
-                <a:tint val="45000"/>
-                <a:shade val="99000"/>
-                <a:satMod val="350000"/>
+                <a:tint val="98000"/>
+                <a:satMod val="130000"/>
+                <a:shade val="90000"/>
+                <a:lumMod val="103000"/>
               </a:schemeClr>
             </a:gs>
             <a:gs pos="100000">
               <a:schemeClr val="phClr">
-                <a:shade val="20000"/>
-                <a:satMod val="255000"/>
+                <a:shade val="63000"/>
+                <a:satMod val="120000"/>
               </a:schemeClr>
             </a:gs>
           </a:gsLst>
-          <a:path path="circle">
-            <a:fillToRect l="50000" t="-80000" r="50000" b="180000"/>
-          </a:path>
-        </a:gradFill>
-        <a:gradFill rotWithShape="1">
-          <a:gsLst>
-            <a:gs pos="0">
-              <a:schemeClr val="phClr">
-                <a:tint val="80000"/>
-                <a:satMod val="300000"/>
-              </a:schemeClr>
-            </a:gs>
-            <a:gs pos="100000">
-              <a:schemeClr val="phClr">
-                <a:shade val="30000"/>
-                <a:satMod val="200000"/>
-              </a:schemeClr>
-            </a:gs>
-          </a:gsLst>
-          <a:path path="circle">
-            <a:fillToRect l="50000" t="50000" r="50000" b="50000"/>
-          </a:path>
+          <a:lin ang="5400000" scaled="0"/>
         </a:gradFill>
       </a:bgFillStyleLst>
     </a:fmtScheme>
   </a:themeElements>
   <a:objectDefaults/>
   <a:extraClrSchemeLst/>
-</a:theme>
-</file>
-
-<file path=ppt/theme/theme2.xml><?xml version="1.0" encoding="utf-8"?>
-<a:theme xmlns:a="http://schemas.openxmlformats.org/drawingml/2006/main" name="Office Theme">
-  <a:themeElements>
-    <a:clrScheme name="Office">
-      <a:dk1>
-        <a:sysClr val="windowText" lastClr="000000"/>
-      </a:dk1>
-      <a:lt1>
-        <a:sysClr val="window" lastClr="FFFFFF"/>
-      </a:lt1>
-      <a:dk2>
-        <a:srgbClr val="1F497D"/>
-      </a:dk2>
-      <a:lt2>
-        <a:srgbClr val="EEECE1"/>
-      </a:lt2>
-      <a:accent1>
-        <a:srgbClr val="4F81BD"/>
-      </a:accent1>
-      <a:accent2>
-        <a:srgbClr val="C0504D"/>
-      </a:accent2>
-      <a:accent3>
-        <a:srgbClr val="9BBB59"/>
-      </a:accent3>
-      <a:accent4>
-        <a:srgbClr val="8064A2"/>
-      </a:accent4>
-      <a:accent5>
-        <a:srgbClr val="4BACC6"/>
-      </a:accent5>
-      <a:accent6>
-        <a:srgbClr val="F79646"/>
-      </a:accent6>
-      <a:hlink>
-        <a:srgbClr val="0000FF"/>
-      </a:hlink>
-      <a:folHlink>
-        <a:srgbClr val="800080"/>
-      </a:folHlink>
-    </a:clrScheme>
-    <a:fontScheme name="Office">
-      <a:majorFont>
-        <a:latin typeface="Calibri"/>
-        <a:ea typeface=""/>
-        <a:cs typeface=""/>
-        <a:font script="Jpan" typeface="ＭＳ Ｐゴシック"/>
-        <a:font script="Hang" typeface="맑은 고딕"/>
-        <a:font script="Hans" typeface="宋体"/>
-        <a:font script="Hant" typeface="新細明體"/>
-        <a:font script="Arab" typeface="Times New Roman"/>
-        <a:font script="Hebr" typeface="Times New Roman"/>
-        <a:font script="Thai" typeface="Angsana New"/>
-        <a:font script="Ethi" typeface="Nyala"/>
-        <a:font script="Beng" typeface="Vrinda"/>
-        <a:font script="Gujr" typeface="Shruti"/>
-        <a:font script="Khmr" typeface="MoolBoran"/>
-        <a:font script="Knda" typeface="Tunga"/>
-        <a:font script="Guru" typeface="Raavi"/>
-        <a:font script="Cans" typeface="Euphemia"/>
-        <a:font script="Cher" typeface="Plantagenet Cherokee"/>
-        <a:font script="Yiii" typeface="Microsoft Yi Baiti"/>
-        <a:font script="Tibt" typeface="Microsoft Himalaya"/>
-        <a:font script="Thaa" typeface="MV Boli"/>
-        <a:font script="Deva" typeface="Mangal"/>
-        <a:font script="Telu" typeface="Gautami"/>
-        <a:font script="Taml" typeface="Latha"/>
-        <a:font script="Syrc" typeface="Estrangelo Edessa"/>
-        <a:font script="Orya" typeface="Kalinga"/>
-        <a:font script="Mlym" typeface="Kartika"/>
-        <a:font script="Laoo" typeface="DokChampa"/>
-        <a:font script="Sinh" typeface="Iskoola Pota"/>
-        <a:font script="Mong" typeface="Mongolian Baiti"/>
-        <a:font script="Viet" typeface="Times New Roman"/>
-        <a:font script="Uigh" typeface="Microsoft Uighur"/>
-        <a:font script="Geor" typeface="Sylfaen"/>
-      </a:majorFont>
-      <a:minorFont>
-        <a:latin typeface="Calibri"/>
-        <a:ea typeface=""/>
-        <a:cs typeface=""/>
-        <a:font script="Jpan" typeface="ＭＳ Ｐゴシック"/>
-        <a:font script="Hang" typeface="맑은 고딕"/>
-        <a:font script="Hans" typeface="宋体"/>
-        <a:font script="Hant" typeface="新細明體"/>
-        <a:font script="Arab" typeface="Arial"/>
-        <a:font script="Hebr" typeface="Arial"/>
-        <a:font script="Thai" typeface="Cordia New"/>
-        <a:font script="Ethi" typeface="Nyala"/>
-        <a:font script="Beng" typeface="Vrinda"/>
-        <a:font script="Gujr" typeface="Shruti"/>
-        <a:font script="Khmr" typeface="DaunPenh"/>
-        <a:font script="Knda" typeface="Tunga"/>
-        <a:font script="Guru" typeface="Raavi"/>
-        <a:font script="Cans" typeface="Euphemia"/>
-        <a:font script="Cher" typeface="Plantagenet Cherokee"/>
-        <a:font script="Yiii" typeface="Microsoft Yi Baiti"/>
-        <a:font script="Tibt" typeface="Microsoft Himalaya"/>
-        <a:font script="Thaa" typeface="MV Boli"/>
-        <a:font script="Deva" typeface="Mangal"/>
-        <a:font script="Telu" typeface="Gautami"/>
-        <a:font script="Taml" typeface="Latha"/>
-        <a:font script="Syrc" typeface="Estrangelo Edessa"/>
-        <a:font script="Orya" typeface="Kalinga"/>
-        <a:font script="Mlym" typeface="Kartika"/>
-        <a:font script="Laoo" typeface="DokChampa"/>
-        <a:font script="Sinh" typeface="Iskoola Pota"/>
-        <a:font script="Mong" typeface="Mongolian Baiti"/>
-        <a:font script="Viet" typeface="Arial"/>
-        <a:font script="Uigh" typeface="Microsoft Uighur"/>
-        <a:font script="Geor" typeface="Sylfaen"/>
-      </a:minorFont>
-    </a:fontScheme>
-    <a:fmtScheme name="Office">
-      <a:fillStyleLst>
-        <a:solidFill>
-          <a:schemeClr val="phClr"/>
-        </a:solidFill>
-        <a:gradFill rotWithShape="1">
-          <a:gsLst>
-            <a:gs pos="0">
-              <a:schemeClr val="phClr">
-                <a:tint val="50000"/>
-                <a:satMod val="300000"/>
-              </a:schemeClr>
-            </a:gs>
-            <a:gs pos="35000">
-              <a:schemeClr val="phClr">
-                <a:tint val="37000"/>
-                <a:satMod val="300000"/>
-              </a:schemeClr>
-            </a:gs>
-            <a:gs pos="100000">
-              <a:schemeClr val="phClr">
-                <a:tint val="15000"/>
-                <a:satMod val="350000"/>
-              </a:schemeClr>
-            </a:gs>
-          </a:gsLst>
-          <a:lin ang="16200000" scaled="1"/>
-        </a:gradFill>
-        <a:gradFill rotWithShape="1">
-          <a:gsLst>
-            <a:gs pos="0">
-              <a:schemeClr val="phClr">
-                <a:shade val="51000"/>
-                <a:satMod val="130000"/>
-              </a:schemeClr>
-            </a:gs>
-            <a:gs pos="80000">
-              <a:schemeClr val="phClr">
-                <a:shade val="93000"/>
-                <a:satMod val="130000"/>
-              </a:schemeClr>
-            </a:gs>
-            <a:gs pos="100000">
-              <a:schemeClr val="phClr">
-                <a:shade val="94000"/>
-                <a:satMod val="135000"/>
-              </a:schemeClr>
-            </a:gs>
-          </a:gsLst>
-          <a:lin ang="16200000" scaled="0"/>
-        </a:gradFill>
-      </a:fillStyleLst>
-      <a:lnStyleLst>
-        <a:ln w="9525" cap="flat" cmpd="sng" algn="ctr">
-          <a:solidFill>
-            <a:schemeClr val="phClr">
-              <a:shade val="95000"/>
-              <a:satMod val="105000"/>
-            </a:schemeClr>
-          </a:solidFill>
-          <a:prstDash val="solid"/>
-        </a:ln>
-        <a:ln w="25400" cap="flat" cmpd="sng" algn="ctr">
-          <a:solidFill>
-            <a:schemeClr val="phClr"/>
-          </a:solidFill>
-          <a:prstDash val="solid"/>
-        </a:ln>
-        <a:ln w="38100" cap="flat" cmpd="sng" algn="ctr">
-          <a:solidFill>
-            <a:schemeClr val="phClr"/>
-          </a:solidFill>
-          <a:prstDash val="solid"/>
-        </a:ln>
-      </a:lnStyleLst>
-      <a:effectStyleLst>
-        <a:effectStyle>
-          <a:effectLst>
-            <a:outerShdw blurRad="40000" dist="20000" dir="5400000" rotWithShape="0">
-              <a:srgbClr val="000000">
-                <a:alpha val="38000"/>
-              </a:srgbClr>
-            </a:outerShdw>
-          </a:effectLst>
-        </a:effectStyle>
-        <a:effectStyle>
-          <a:effectLst>
-            <a:outerShdw blurRad="40000" dist="23000" dir="5400000" rotWithShape="0">
-              <a:srgbClr val="000000">
-                <a:alpha val="35000"/>
-              </a:srgbClr>
-            </a:outerShdw>
-          </a:effectLst>
-        </a:effectStyle>
-        <a:effectStyle>
-          <a:effectLst>
-            <a:outerShdw blurRad="40000" dist="23000" dir="5400000" rotWithShape="0">
-              <a:srgbClr val="000000">
-                <a:alpha val="35000"/>
-              </a:srgbClr>
-            </a:outerShdw>
-          </a:effectLst>
-          <a:scene3d>
-            <a:camera prst="orthographicFront">
-              <a:rot lat="0" lon="0" rev="0"/>
-            </a:camera>
-            <a:lightRig rig="threePt" dir="t">
-              <a:rot lat="0" lon="0" rev="1200000"/>
-            </a:lightRig>
-          </a:scene3d>
-          <a:sp3d>
-            <a:bevelT w="63500" h="25400"/>
-          </a:sp3d>
-        </a:effectStyle>
-      </a:effectStyleLst>
-      <a:bgFillStyleLst>
-        <a:solidFill>
-          <a:schemeClr val="phClr"/>
-        </a:solidFill>
-        <a:gradFill rotWithShape="1">
-          <a:gsLst>
-            <a:gs pos="0">
-              <a:schemeClr val="phClr">
-                <a:tint val="40000"/>
-                <a:satMod val="350000"/>
-              </a:schemeClr>
-            </a:gs>
-            <a:gs pos="40000">
-              <a:schemeClr val="phClr">
-                <a:tint val="45000"/>
-                <a:shade val="99000"/>
-                <a:satMod val="350000"/>
-              </a:schemeClr>
-            </a:gs>
-            <a:gs pos="100000">
-              <a:schemeClr val="phClr">
-                <a:shade val="20000"/>
-                <a:satMod val="255000"/>
-              </a:schemeClr>
-            </a:gs>
-          </a:gsLst>
-          <a:path path="circle">
-            <a:fillToRect l="50000" t="-80000" r="50000" b="180000"/>
-          </a:path>
-        </a:gradFill>
-        <a:gradFill rotWithShape="1">
-          <a:gsLst>
-            <a:gs pos="0">
-              <a:schemeClr val="phClr">
-                <a:tint val="80000"/>
-                <a:satMod val="300000"/>
-              </a:schemeClr>
-            </a:gs>
-            <a:gs pos="100000">
-              <a:schemeClr val="phClr">
-                <a:shade val="30000"/>
-                <a:satMod val="200000"/>
-              </a:schemeClr>
-            </a:gs>
-          </a:gsLst>
-          <a:path path="circle">
-            <a:fillToRect l="50000" t="50000" r="50000" b="50000"/>
-          </a:path>
-        </a:gradFill>
-      </a:bgFillStyleLst>
-    </a:fmtScheme>
-  </a:themeElements>
-  <a:objectDefaults/>
-  <a:extraClrSchemeLst/>
+  <a:extLst>
+    <a:ext uri="{05A4C25C-085E-4340-85A3-A5531E510DB2}">
+      <thm15:themeFamily xmlns:thm15="http://schemas.microsoft.com/office/thememl/2012/main" name="Office Theme" id="{62F939B6-93AF-4DB8-9C6B-D6C7DFDC589F}" vid="{4A3C46E8-61CC-4603-A589-7422A47A8E4A}"/>
+    </a:ext>
+  </a:extLst>
 </a:theme>
 </file>